--- a/[8주차] 신경망 네트워크의 정규화 발표자료.pptx
+++ b/[8주차] 신경망 네트워크의 정규화 발표자료.pptx
@@ -28,6 +28,13 @@
     <p:sldId id="277" r:id="rId22"/>
     <p:sldId id="278" r:id="rId23"/>
     <p:sldId id="279" r:id="rId24"/>
+    <p:sldId id="280" r:id="rId25"/>
+    <p:sldId id="281" r:id="rId26"/>
+    <p:sldId id="282" r:id="rId27"/>
+    <p:sldId id="283" r:id="rId28"/>
+    <p:sldId id="284" r:id="rId29"/>
+    <p:sldId id="285" r:id="rId30"/>
+    <p:sldId id="286" r:id="rId31"/>
   </p:sldIdLst>
   <p:sldSz cx="12192000" cy="6858000"/>
   <p:notesSz cx="6858000" cy="9144000"/>
@@ -126,15 +133,12 @@
       </a:defRPr>
     </a:lvl9pPr>
   </p:defaultTextStyle>
+  <p:extLst>
+    <p:ext uri="{EFAFB233-063F-42B5-8137-9DF3F51BA10A}">
+      <p15:sldGuideLst xmlns:p15="http://schemas.microsoft.com/office/powerpoint/2012/main"/>
+    </p:ext>
+  </p:extLst>
 </p:presentation>
-</file>
-
-<file path=ppt/revisionInfo.xml><?xml version="1.0" encoding="utf-8"?>
-<p1510:revInfo xmlns:a="http://schemas.openxmlformats.org/drawingml/2006/main" xmlns:r="http://schemas.openxmlformats.org/officeDocument/2006/relationships" xmlns:p1510="http://schemas.microsoft.com/office/powerpoint/2015/10/main">
-  <p1510:revLst>
-    <p1510:client id="{82170606-CBFA-41BD-8BBC-CEFF9EFF7D14}" v="1476" dt="2023-10-30T21:02:44.548"/>
-  </p1510:revLst>
-</p1510:revInfo>
 </file>
 
 <file path=ppt/slideLayouts/slideLayout1.xml><?xml version="1.0" encoding="utf-8"?>
@@ -3964,6 +3968,10 @@
                   <a:t>g(z)</a:t>
                 </a:r>
                 <a:r>
+                  <a:rPr lang="en-US" altLang="ko-KR" sz="1800"/>
+                  <a:t>=tanh(z)</a:t>
+                </a:r>
+                <a:r>
                   <a:rPr lang="ko-KR" altLang="en-US" sz="1800">
                     <a:latin typeface="나눔고딕" panose="020D0604000000000000" pitchFamily="50" charset="-127"/>
                     <a:ea typeface="나눔고딕" panose="020D0604000000000000" pitchFamily="50" charset="-127"/>
@@ -4834,6 +4842,47 @@
               <a:buFont typeface="Arial" panose="020B0604020202020204" pitchFamily="34" charset="0"/>
               <a:buChar char="•"/>
             </a:pPr>
+            <a:r>
+              <a:rPr lang="en-US" altLang="ko-KR" sz="1800">
+                <a:latin typeface="나눔고딕" panose="020D0604000000000000" pitchFamily="50" charset="-127"/>
+                <a:ea typeface="나눔고딕" panose="020D0604000000000000" pitchFamily="50" charset="-127"/>
+              </a:rPr>
+              <a:t>-&gt; </a:t>
+            </a:r>
+            <a:r>
+              <a:rPr lang="ko-KR" altLang="en-US" sz="1800">
+                <a:latin typeface="나눔고딕" panose="020D0604000000000000" pitchFamily="50" charset="-127"/>
+                <a:ea typeface="나눔고딕" panose="020D0604000000000000" pitchFamily="50" charset="-127"/>
+              </a:rPr>
+              <a:t>두번째 항까지 포함한 새로운 비용함수 </a:t>
+            </a:r>
+            <a:r>
+              <a:rPr lang="en-US" altLang="ko-KR" sz="1800">
+                <a:latin typeface="나눔고딕" panose="020D0604000000000000" pitchFamily="50" charset="-127"/>
+                <a:ea typeface="나눔고딕" panose="020D0604000000000000" pitchFamily="50" charset="-127"/>
+              </a:rPr>
+              <a:t>J</a:t>
+            </a:r>
+            <a:r>
+              <a:rPr lang="ko-KR" altLang="en-US" sz="1800">
+                <a:latin typeface="나눔고딕" panose="020D0604000000000000" pitchFamily="50" charset="-127"/>
+                <a:ea typeface="나눔고딕" panose="020D0604000000000000" pitchFamily="50" charset="-127"/>
+              </a:rPr>
+              <a:t>를 그리고 있는지 확인해야 함</a:t>
+            </a:r>
+            <a:endParaRPr lang="en-US" altLang="ko-KR" sz="1800">
+              <a:latin typeface="나눔고딕" panose="020D0604000000000000" pitchFamily="50" charset="-127"/>
+              <a:ea typeface="나눔고딕" panose="020D0604000000000000" pitchFamily="50" charset="-127"/>
+            </a:endParaRPr>
+          </a:p>
+          <a:p>
+            <a:pPr marL="742950" lvl="1" indent="-285750" algn="l">
+              <a:lnSpc>
+                <a:spcPct val="100000"/>
+              </a:lnSpc>
+              <a:buFont typeface="Arial" panose="020B0604020202020204" pitchFamily="34" charset="0"/>
+              <a:buChar char="•"/>
+            </a:pPr>
             <a:endParaRPr lang="en-US" altLang="ko-KR" sz="1800">
               <a:solidFill>
                 <a:schemeClr val="tx1"/>
@@ -6087,6 +6136,13 @@
               <a:buChar char="•"/>
             </a:pPr>
             <a:r>
+              <a:rPr lang="ko-KR" altLang="en-US" sz="1800">
+                <a:latin typeface="나눔고딕" panose="020D0604000000000000" pitchFamily="50" charset="-127"/>
+                <a:ea typeface="나눔고딕" panose="020D0604000000000000" pitchFamily="50" charset="-127"/>
+              </a:rPr>
+              <a:t>은닉 유닛이 유지될 확률인 </a:t>
+            </a:r>
+            <a:r>
               <a:rPr lang="en-US" altLang="ko-KR" sz="1800">
                 <a:latin typeface="나눔고딕" panose="020D0604000000000000" pitchFamily="50" charset="-127"/>
                 <a:ea typeface="나눔고딕" panose="020D0604000000000000" pitchFamily="50" charset="-127"/>
@@ -9844,7 +9900,7 @@
                 <a:latin typeface="나눔고딕" panose="020D0604000000000000" pitchFamily="50" charset="-127"/>
                 <a:ea typeface="나눔고딕" panose="020D0604000000000000" pitchFamily="50" charset="-127"/>
               </a:rPr>
-              <a:t>데이터증식 </a:t>
+              <a:t> 데이터증식 </a:t>
             </a:r>
             <a:r>
               <a:rPr lang="en-US" altLang="ko-KR" sz="1800" b="1">
@@ -10323,12 +10379,18 @@
           </a:bodyPr>
           <a:lstStyle/>
           <a:p>
-            <a:pPr marL="342900" indent="-342900" algn="l">
+            <a:pPr algn="l">
               <a:lnSpc>
                 <a:spcPct val="100000"/>
               </a:lnSpc>
-              <a:buAutoNum type="arabicParenBoth"/>
             </a:pPr>
+            <a:r>
+              <a:rPr lang="en-US" altLang="ko-KR" sz="1800" b="1">
+                <a:latin typeface="나눔고딕" panose="020D0604000000000000" pitchFamily="50" charset="-127"/>
+                <a:ea typeface="나눔고딕" panose="020D0604000000000000" pitchFamily="50" charset="-127"/>
+              </a:rPr>
+              <a:t>(2) </a:t>
+            </a:r>
             <a:r>
               <a:rPr lang="ko-KR" altLang="en-US" sz="1800" b="1">
                 <a:latin typeface="나눔고딕" panose="020D0604000000000000" pitchFamily="50" charset="-127"/>
@@ -10800,7 +10862,7 @@
         </p:blipFill>
         <p:spPr bwMode="auto">
           <a:xfrm>
-            <a:off x="6606022" y="3329476"/>
+            <a:off x="6606022" y="2940011"/>
             <a:ext cx="5585978" cy="3400504"/>
           </a:xfrm>
           <a:prstGeom prst="rect">
@@ -10818,6 +10880,84 @@
           </a:extLst>
         </p:spPr>
       </p:pic>
+      <p:cxnSp>
+        <p:nvCxnSpPr>
+          <p:cNvPr id="3" name="직선 화살표 연결선 2">
+            <a:extLst>
+              <a:ext uri="{FF2B5EF4-FFF2-40B4-BE49-F238E27FC236}">
+                <a16:creationId xmlns:a16="http://schemas.microsoft.com/office/drawing/2014/main" id="{60DDF548-2E43-7450-3E4E-8F1345AA25B8}"/>
+              </a:ext>
+            </a:extLst>
+          </p:cNvPr>
+          <p:cNvCxnSpPr/>
+          <p:nvPr/>
+        </p:nvCxnSpPr>
+        <p:spPr>
+          <a:xfrm>
+            <a:off x="7281334" y="6357447"/>
+            <a:ext cx="4064000" cy="0"/>
+          </a:xfrm>
+          <a:prstGeom prst="straightConnector1">
+            <a:avLst/>
+          </a:prstGeom>
+          <a:ln>
+            <a:tailEnd type="triangle"/>
+          </a:ln>
+        </p:spPr>
+        <p:style>
+          <a:lnRef idx="1">
+            <a:schemeClr val="accent2"/>
+          </a:lnRef>
+          <a:fillRef idx="0">
+            <a:schemeClr val="accent2"/>
+          </a:fillRef>
+          <a:effectRef idx="0">
+            <a:schemeClr val="accent2"/>
+          </a:effectRef>
+          <a:fontRef idx="minor">
+            <a:schemeClr val="tx1"/>
+          </a:fontRef>
+        </p:style>
+      </p:cxnSp>
+      <p:sp>
+        <p:nvSpPr>
+          <p:cNvPr id="7" name="TextBox 6">
+            <a:extLst>
+              <a:ext uri="{FF2B5EF4-FFF2-40B4-BE49-F238E27FC236}">
+                <a16:creationId xmlns:a16="http://schemas.microsoft.com/office/drawing/2014/main" id="{C9712F71-27A6-8FFB-1295-0D5255CD5155}"/>
+              </a:ext>
+            </a:extLst>
+          </p:cNvPr>
+          <p:cNvSpPr txBox="1"/>
+          <p:nvPr/>
+        </p:nvSpPr>
+        <p:spPr>
+          <a:xfrm>
+            <a:off x="8509000" y="6411374"/>
+            <a:ext cx="2777066" cy="369332"/>
+          </a:xfrm>
+          <a:prstGeom prst="rect">
+            <a:avLst/>
+          </a:prstGeom>
+          <a:noFill/>
+        </p:spPr>
+        <p:txBody>
+          <a:bodyPr wrap="square" rtlCol="0">
+            <a:spAutoFit/>
+          </a:bodyPr>
+          <a:lstStyle/>
+          <a:p>
+            <a:r>
+              <a:rPr lang="en-US" altLang="ko-KR"/>
+              <a:t>w</a:t>
+            </a:r>
+            <a:r>
+              <a:rPr lang="ko-KR" altLang="en-US"/>
+              <a:t> 증가</a:t>
+            </a:r>
+          </a:p>
+        </p:txBody>
+      </p:sp>
     </p:spTree>
     <p:extLst>
       <p:ext uri="{BB962C8B-B14F-4D97-AF65-F5344CB8AC3E}">
@@ -11220,9 +11360,23 @@
                 <a:latin typeface="나눔고딕" panose="020D0604000000000000" pitchFamily="50" charset="-127"/>
                 <a:ea typeface="나눔고딕" panose="020D0604000000000000" pitchFamily="50" charset="-127"/>
               </a:rPr>
-              <a:t>문제 더 복잡해짐</a:t>
+              <a:t>문제 더 복잡해지고 최적의 조건을 찾지 못할 수 있음</a:t>
             </a:r>
             <a:endParaRPr lang="en-US" altLang="ko-KR" sz="1800">
+              <a:latin typeface="나눔고딕" panose="020D0604000000000000" pitchFamily="50" charset="-127"/>
+              <a:ea typeface="나눔고딕" panose="020D0604000000000000" pitchFamily="50" charset="-127"/>
+            </a:endParaRPr>
+          </a:p>
+          <a:p>
+            <a:pPr algn="l">
+              <a:lnSpc>
+                <a:spcPct val="100000"/>
+              </a:lnSpc>
+            </a:pPr>
+            <a:endParaRPr lang="en-US" altLang="ko-KR" sz="1800" b="1">
+              <a:solidFill>
+                <a:schemeClr val="tx1"/>
+              </a:solidFill>
               <a:latin typeface="나눔고딕" panose="020D0604000000000000" pitchFamily="50" charset="-127"/>
               <a:ea typeface="나눔고딕" panose="020D0604000000000000" pitchFamily="50" charset="-127"/>
             </a:endParaRPr>
@@ -11338,7 +11492,7 @@
                 <a:latin typeface="나눔고딕" panose="020D0604000000000000" pitchFamily="50" charset="-127"/>
                 <a:ea typeface="나눔고딕" panose="020D0604000000000000" pitchFamily="50" charset="-127"/>
               </a:rPr>
-              <a:t>얻게 되어 많은 값을 시도할 필요 없이 비슷한 효과 가능</a:t>
+              <a:t>얻게 되어 많은 값을 시도할 필요 없이 비슷한 효과 얻기 가능</a:t>
             </a:r>
             <a:endParaRPr lang="en-US" altLang="ko-KR" sz="1800">
               <a:solidFill>
@@ -11612,7 +11766,7 @@
         </p:nvCxnSpPr>
         <p:spPr>
           <a:xfrm flipV="1">
-            <a:off x="6553200" y="4402667"/>
+            <a:off x="6570134" y="4781426"/>
             <a:ext cx="931333" cy="372533"/>
           </a:xfrm>
           <a:prstGeom prst="straightConnector1">
@@ -11642,6 +11796,1753 @@
     <p:extLst>
       <p:ext uri="{BB962C8B-B14F-4D97-AF65-F5344CB8AC3E}">
         <p14:creationId xmlns:p14="http://schemas.microsoft.com/office/powerpoint/2010/main" val="863688753"/>
+      </p:ext>
+    </p:extLst>
+  </p:cSld>
+  <p:clrMapOvr>
+    <a:masterClrMapping/>
+  </p:clrMapOvr>
+</p:sld>
+</file>
+
+<file path=ppt/slides/slide24.xml><?xml version="1.0" encoding="utf-8"?>
+<p:sld xmlns:a="http://schemas.openxmlformats.org/drawingml/2006/main" xmlns:r="http://schemas.openxmlformats.org/officeDocument/2006/relationships" xmlns:p="http://schemas.openxmlformats.org/presentationml/2006/main">
+  <p:cSld>
+    <p:spTree>
+      <p:nvGrpSpPr>
+        <p:cNvPr id="1" name=""/>
+        <p:cNvGrpSpPr/>
+        <p:nvPr/>
+      </p:nvGrpSpPr>
+      <p:grpSpPr>
+        <a:xfrm>
+          <a:off x="0" y="0"/>
+          <a:ext cx="0" cy="0"/>
+          <a:chOff x="0" y="0"/>
+          <a:chExt cx="0" cy="0"/>
+        </a:xfrm>
+      </p:grpSpPr>
+      <p:sp>
+        <p:nvSpPr>
+          <p:cNvPr id="27" name="TextBox 26">
+            <a:extLst>
+              <a:ext uri="{FF2B5EF4-FFF2-40B4-BE49-F238E27FC236}">
+                <a16:creationId xmlns:a16="http://schemas.microsoft.com/office/drawing/2014/main" id="{05131F9D-DBD1-D8BC-C3F3-9996D402C5EE}"/>
+              </a:ext>
+            </a:extLst>
+          </p:cNvPr>
+          <p:cNvSpPr txBox="1"/>
+          <p:nvPr/>
+        </p:nvSpPr>
+        <p:spPr>
+          <a:xfrm>
+            <a:off x="963827" y="2846403"/>
+            <a:ext cx="11719240" cy="707886"/>
+          </a:xfrm>
+          <a:prstGeom prst="rect">
+            <a:avLst/>
+          </a:prstGeom>
+          <a:noFill/>
+        </p:spPr>
+        <p:txBody>
+          <a:bodyPr wrap="square" rtlCol="0">
+            <a:spAutoFit/>
+          </a:bodyPr>
+          <a:lstStyle/>
+          <a:p>
+            <a:r>
+              <a:rPr lang="en-US" altLang="ko-KR" sz="4000" b="1">
+                <a:latin typeface="나눔고딕" panose="020D0604000000000000" pitchFamily="50" charset="-127"/>
+                <a:ea typeface="나눔고딕" panose="020D0604000000000000" pitchFamily="50" charset="-127"/>
+              </a:rPr>
+              <a:t>6. Quiz</a:t>
+            </a:r>
+            <a:endParaRPr lang="ko-KR" altLang="en-US" sz="4000" b="1">
+              <a:latin typeface="나눔고딕" panose="020D0604000000000000" pitchFamily="50" charset="-127"/>
+              <a:ea typeface="나눔고딕" panose="020D0604000000000000" pitchFamily="50" charset="-127"/>
+            </a:endParaRPr>
+          </a:p>
+        </p:txBody>
+      </p:sp>
+      <p:sp>
+        <p:nvSpPr>
+          <p:cNvPr id="28" name="직사각형 27">
+            <a:extLst>
+              <a:ext uri="{FF2B5EF4-FFF2-40B4-BE49-F238E27FC236}">
+                <a16:creationId xmlns:a16="http://schemas.microsoft.com/office/drawing/2014/main" id="{3665C458-B7C9-A212-69C4-59F295F21A78}"/>
+              </a:ext>
+            </a:extLst>
+          </p:cNvPr>
+          <p:cNvSpPr/>
+          <p:nvPr/>
+        </p:nvSpPr>
+        <p:spPr>
+          <a:xfrm flipV="1">
+            <a:off x="1048536" y="3662821"/>
+            <a:ext cx="4844264" cy="45719"/>
+          </a:xfrm>
+          <a:prstGeom prst="rect">
+            <a:avLst/>
+          </a:prstGeom>
+          <a:solidFill>
+            <a:schemeClr val="accent1">
+              <a:lumMod val="60000"/>
+              <a:lumOff val="40000"/>
+            </a:schemeClr>
+          </a:solidFill>
+          <a:ln>
+            <a:noFill/>
+          </a:ln>
+        </p:spPr>
+        <p:style>
+          <a:lnRef idx="2">
+            <a:schemeClr val="dk1">
+              <a:shade val="15000"/>
+            </a:schemeClr>
+          </a:lnRef>
+          <a:fillRef idx="1">
+            <a:schemeClr val="dk1"/>
+          </a:fillRef>
+          <a:effectRef idx="0">
+            <a:schemeClr val="dk1"/>
+          </a:effectRef>
+          <a:fontRef idx="minor">
+            <a:schemeClr val="lt1"/>
+          </a:fontRef>
+        </p:style>
+        <p:txBody>
+          <a:bodyPr rtlCol="0" anchor="ctr"/>
+          <a:lstStyle/>
+          <a:p>
+            <a:pPr algn="ctr"/>
+            <a:endParaRPr lang="ko-KR" altLang="en-US">
+              <a:latin typeface="나눔고딕" panose="020D0604000000000000" pitchFamily="50" charset="-127"/>
+              <a:ea typeface="나눔고딕" panose="020D0604000000000000" pitchFamily="50" charset="-127"/>
+            </a:endParaRPr>
+          </a:p>
+        </p:txBody>
+      </p:sp>
+      <p:sp>
+        <p:nvSpPr>
+          <p:cNvPr id="2" name="직사각형 1">
+            <a:extLst>
+              <a:ext uri="{FF2B5EF4-FFF2-40B4-BE49-F238E27FC236}">
+                <a16:creationId xmlns:a16="http://schemas.microsoft.com/office/drawing/2014/main" id="{CD7ED24E-74FF-01B9-E71F-93E8F825541B}"/>
+              </a:ext>
+            </a:extLst>
+          </p:cNvPr>
+          <p:cNvSpPr/>
+          <p:nvPr/>
+        </p:nvSpPr>
+        <p:spPr>
+          <a:xfrm>
+            <a:off x="0" y="1"/>
+            <a:ext cx="12192000" cy="526942"/>
+          </a:xfrm>
+          <a:prstGeom prst="rect">
+            <a:avLst/>
+          </a:prstGeom>
+          <a:solidFill>
+            <a:schemeClr val="accent1">
+              <a:lumMod val="60000"/>
+              <a:lumOff val="40000"/>
+            </a:schemeClr>
+          </a:solidFill>
+          <a:ln>
+            <a:noFill/>
+          </a:ln>
+        </p:spPr>
+        <p:style>
+          <a:lnRef idx="2">
+            <a:schemeClr val="accent1">
+              <a:shade val="15000"/>
+            </a:schemeClr>
+          </a:lnRef>
+          <a:fillRef idx="1">
+            <a:schemeClr val="accent1"/>
+          </a:fillRef>
+          <a:effectRef idx="0">
+            <a:schemeClr val="accent1"/>
+          </a:effectRef>
+          <a:fontRef idx="minor">
+            <a:schemeClr val="lt1"/>
+          </a:fontRef>
+        </p:style>
+        <p:txBody>
+          <a:bodyPr rtlCol="0" anchor="ctr"/>
+          <a:lstStyle/>
+          <a:p>
+            <a:pPr algn="ctr"/>
+            <a:endParaRPr lang="ko-KR" altLang="en-US"/>
+          </a:p>
+        </p:txBody>
+      </p:sp>
+      <p:sp>
+        <p:nvSpPr>
+          <p:cNvPr id="3" name="직사각형 2">
+            <a:extLst>
+              <a:ext uri="{FF2B5EF4-FFF2-40B4-BE49-F238E27FC236}">
+                <a16:creationId xmlns:a16="http://schemas.microsoft.com/office/drawing/2014/main" id="{7230EE3D-25FF-5509-E10F-40CEF4749754}"/>
+              </a:ext>
+            </a:extLst>
+          </p:cNvPr>
+          <p:cNvSpPr/>
+          <p:nvPr/>
+        </p:nvSpPr>
+        <p:spPr>
+          <a:xfrm>
+            <a:off x="0" y="6346543"/>
+            <a:ext cx="12192000" cy="526942"/>
+          </a:xfrm>
+          <a:prstGeom prst="rect">
+            <a:avLst/>
+          </a:prstGeom>
+          <a:solidFill>
+            <a:schemeClr val="accent1">
+              <a:lumMod val="60000"/>
+              <a:lumOff val="40000"/>
+            </a:schemeClr>
+          </a:solidFill>
+          <a:ln>
+            <a:noFill/>
+          </a:ln>
+        </p:spPr>
+        <p:style>
+          <a:lnRef idx="2">
+            <a:schemeClr val="accent1">
+              <a:shade val="15000"/>
+            </a:schemeClr>
+          </a:lnRef>
+          <a:fillRef idx="1">
+            <a:schemeClr val="accent1"/>
+          </a:fillRef>
+          <a:effectRef idx="0">
+            <a:schemeClr val="accent1"/>
+          </a:effectRef>
+          <a:fontRef idx="minor">
+            <a:schemeClr val="lt1"/>
+          </a:fontRef>
+        </p:style>
+        <p:txBody>
+          <a:bodyPr rtlCol="0" anchor="ctr"/>
+          <a:lstStyle/>
+          <a:p>
+            <a:pPr algn="ctr"/>
+            <a:endParaRPr lang="ko-KR" altLang="en-US"/>
+          </a:p>
+        </p:txBody>
+      </p:sp>
+    </p:spTree>
+    <p:extLst>
+      <p:ext uri="{BB962C8B-B14F-4D97-AF65-F5344CB8AC3E}">
+        <p14:creationId xmlns:p14="http://schemas.microsoft.com/office/powerpoint/2010/main" val="2560708425"/>
+      </p:ext>
+    </p:extLst>
+  </p:cSld>
+  <p:clrMapOvr>
+    <a:masterClrMapping/>
+  </p:clrMapOvr>
+</p:sld>
+</file>
+
+<file path=ppt/slides/slide25.xml><?xml version="1.0" encoding="utf-8"?>
+<p:sld xmlns:a="http://schemas.openxmlformats.org/drawingml/2006/main" xmlns:r="http://schemas.openxmlformats.org/officeDocument/2006/relationships" xmlns:p="http://schemas.openxmlformats.org/presentationml/2006/main">
+  <p:cSld>
+    <p:spTree>
+      <p:nvGrpSpPr>
+        <p:cNvPr id="1" name=""/>
+        <p:cNvGrpSpPr/>
+        <p:nvPr/>
+      </p:nvGrpSpPr>
+      <p:grpSpPr>
+        <a:xfrm>
+          <a:off x="0" y="0"/>
+          <a:ext cx="0" cy="0"/>
+          <a:chOff x="0" y="0"/>
+          <a:chExt cx="0" cy="0"/>
+        </a:xfrm>
+      </p:grpSpPr>
+      <p:pic>
+        <p:nvPicPr>
+          <p:cNvPr id="12" name="그림 11">
+            <a:extLst>
+              <a:ext uri="{FF2B5EF4-FFF2-40B4-BE49-F238E27FC236}">
+                <a16:creationId xmlns:a16="http://schemas.microsoft.com/office/drawing/2014/main" id="{9866B18E-8E35-62E3-5E21-D8F0386B8DA4}"/>
+              </a:ext>
+            </a:extLst>
+          </p:cNvPr>
+          <p:cNvPicPr>
+            <a:picLocks noChangeAspect="1"/>
+          </p:cNvPicPr>
+          <p:nvPr/>
+        </p:nvPicPr>
+        <p:blipFill>
+          <a:blip r:embed="rId2"/>
+          <a:stretch>
+            <a:fillRect/>
+          </a:stretch>
+        </p:blipFill>
+        <p:spPr>
+          <a:xfrm>
+            <a:off x="512933" y="590859"/>
+            <a:ext cx="5963482" cy="2534004"/>
+          </a:xfrm>
+          <a:prstGeom prst="rect">
+            <a:avLst/>
+          </a:prstGeom>
+        </p:spPr>
+      </p:pic>
+      <p:pic>
+        <p:nvPicPr>
+          <p:cNvPr id="14" name="그림 13">
+            <a:extLst>
+              <a:ext uri="{FF2B5EF4-FFF2-40B4-BE49-F238E27FC236}">
+                <a16:creationId xmlns:a16="http://schemas.microsoft.com/office/drawing/2014/main" id="{82BDF2A8-5EB9-4238-41F4-2D7F860140D1}"/>
+              </a:ext>
+            </a:extLst>
+          </p:cNvPr>
+          <p:cNvPicPr>
+            <a:picLocks noChangeAspect="1"/>
+          </p:cNvPicPr>
+          <p:nvPr/>
+        </p:nvPicPr>
+        <p:blipFill>
+          <a:blip r:embed="rId3"/>
+          <a:stretch>
+            <a:fillRect/>
+          </a:stretch>
+        </p:blipFill>
+        <p:spPr>
+          <a:xfrm>
+            <a:off x="512933" y="3679052"/>
+            <a:ext cx="6068272" cy="2705478"/>
+          </a:xfrm>
+          <a:prstGeom prst="rect">
+            <a:avLst/>
+          </a:prstGeom>
+        </p:spPr>
+      </p:pic>
+      <p:sp>
+        <p:nvSpPr>
+          <p:cNvPr id="15" name="TextBox 14">
+            <a:extLst>
+              <a:ext uri="{FF2B5EF4-FFF2-40B4-BE49-F238E27FC236}">
+                <a16:creationId xmlns:a16="http://schemas.microsoft.com/office/drawing/2014/main" id="{94E6CFE4-4DC8-7402-07C9-24F737EEE8CB}"/>
+              </a:ext>
+            </a:extLst>
+          </p:cNvPr>
+          <p:cNvSpPr txBox="1"/>
+          <p:nvPr/>
+        </p:nvSpPr>
+        <p:spPr>
+          <a:xfrm>
+            <a:off x="7128933" y="1540933"/>
+            <a:ext cx="4550134" cy="369332"/>
+          </a:xfrm>
+          <a:prstGeom prst="rect">
+            <a:avLst/>
+          </a:prstGeom>
+          <a:noFill/>
+        </p:spPr>
+        <p:txBody>
+          <a:bodyPr wrap="square" rtlCol="0">
+            <a:spAutoFit/>
+          </a:bodyPr>
+          <a:lstStyle/>
+          <a:p>
+            <a:r>
+              <a:rPr lang="ko-KR" altLang="en-US">
+                <a:latin typeface="나눔고딕" panose="020D0604000000000000" pitchFamily="50" charset="-127"/>
+                <a:ea typeface="나눔고딕" panose="020D0604000000000000" pitchFamily="50" charset="-127"/>
+              </a:rPr>
+              <a:t>정규화의 목적</a:t>
+            </a:r>
+            <a:r>
+              <a:rPr lang="en-US" altLang="ko-KR">
+                <a:latin typeface="나눔고딕" panose="020D0604000000000000" pitchFamily="50" charset="-127"/>
+                <a:ea typeface="나눔고딕" panose="020D0604000000000000" pitchFamily="50" charset="-127"/>
+              </a:rPr>
+              <a:t>: </a:t>
+            </a:r>
+            <a:r>
+              <a:rPr lang="ko-KR" altLang="en-US">
+                <a:latin typeface="나눔고딕" panose="020D0604000000000000" pitchFamily="50" charset="-127"/>
+                <a:ea typeface="나눔고딕" panose="020D0604000000000000" pitchFamily="50" charset="-127"/>
+              </a:rPr>
+              <a:t>과대적합 문제 해결</a:t>
+            </a:r>
+          </a:p>
+        </p:txBody>
+      </p:sp>
+      <p:sp>
+        <p:nvSpPr>
+          <p:cNvPr id="16" name="TextBox 15">
+            <a:extLst>
+              <a:ext uri="{FF2B5EF4-FFF2-40B4-BE49-F238E27FC236}">
+                <a16:creationId xmlns:a16="http://schemas.microsoft.com/office/drawing/2014/main" id="{C9664ECB-49A4-EAE5-BE9B-EDC8794476EF}"/>
+              </a:ext>
+            </a:extLst>
+          </p:cNvPr>
+          <p:cNvSpPr txBox="1"/>
+          <p:nvPr/>
+        </p:nvSpPr>
+        <p:spPr>
+          <a:xfrm>
+            <a:off x="7128933" y="4712271"/>
+            <a:ext cx="4550134" cy="646331"/>
+          </a:xfrm>
+          <a:prstGeom prst="rect">
+            <a:avLst/>
+          </a:prstGeom>
+          <a:noFill/>
+        </p:spPr>
+        <p:txBody>
+          <a:bodyPr wrap="square" rtlCol="0">
+            <a:spAutoFit/>
+          </a:bodyPr>
+          <a:lstStyle/>
+          <a:p>
+            <a:r>
+              <a:rPr lang="ko-KR" altLang="en-US">
+                <a:latin typeface="나눔고딕" panose="020D0604000000000000" pitchFamily="50" charset="-127"/>
+                <a:ea typeface="나눔고딕" panose="020D0604000000000000" pitchFamily="50" charset="-127"/>
+              </a:rPr>
+              <a:t>가중치 행렬의 값을 낮추고 </a:t>
+            </a:r>
+            <a:r>
+              <a:rPr lang="ko-KR" altLang="en-US" sz="1800">
+                <a:latin typeface="나눔고딕" panose="020D0604000000000000" pitchFamily="50" charset="-127"/>
+                <a:ea typeface="나눔고딕" panose="020D0604000000000000" pitchFamily="50" charset="-127"/>
+              </a:rPr>
+              <a:t>간단하고 작은 신경망의 형태로 만들었음 </a:t>
+            </a:r>
+            <a:endParaRPr lang="ko-KR" altLang="en-US">
+              <a:latin typeface="나눔고딕" panose="020D0604000000000000" pitchFamily="50" charset="-127"/>
+              <a:ea typeface="나눔고딕" panose="020D0604000000000000" pitchFamily="50" charset="-127"/>
+            </a:endParaRPr>
+          </a:p>
+        </p:txBody>
+      </p:sp>
+    </p:spTree>
+    <p:extLst>
+      <p:ext uri="{BB962C8B-B14F-4D97-AF65-F5344CB8AC3E}">
+        <p14:creationId xmlns:p14="http://schemas.microsoft.com/office/powerpoint/2010/main" val="4094964004"/>
+      </p:ext>
+    </p:extLst>
+  </p:cSld>
+  <p:clrMapOvr>
+    <a:masterClrMapping/>
+  </p:clrMapOvr>
+</p:sld>
+</file>
+
+<file path=ppt/slides/slide26.xml><?xml version="1.0" encoding="utf-8"?>
+<p:sld xmlns:a="http://schemas.openxmlformats.org/drawingml/2006/main" xmlns:r="http://schemas.openxmlformats.org/officeDocument/2006/relationships" xmlns:p="http://schemas.openxmlformats.org/presentationml/2006/main">
+  <p:cSld>
+    <p:spTree>
+      <p:nvGrpSpPr>
+        <p:cNvPr id="1" name=""/>
+        <p:cNvGrpSpPr/>
+        <p:nvPr/>
+      </p:nvGrpSpPr>
+      <p:grpSpPr>
+        <a:xfrm>
+          <a:off x="0" y="0"/>
+          <a:ext cx="0" cy="0"/>
+          <a:chOff x="0" y="0"/>
+          <a:chExt cx="0" cy="0"/>
+        </a:xfrm>
+      </p:grpSpPr>
+      <p:pic>
+        <p:nvPicPr>
+          <p:cNvPr id="3" name="그림 2">
+            <a:extLst>
+              <a:ext uri="{FF2B5EF4-FFF2-40B4-BE49-F238E27FC236}">
+                <a16:creationId xmlns:a16="http://schemas.microsoft.com/office/drawing/2014/main" id="{633E3E9C-19EB-AEB5-6F9B-BC2B8D095D7C}"/>
+              </a:ext>
+            </a:extLst>
+          </p:cNvPr>
+          <p:cNvPicPr>
+            <a:picLocks noChangeAspect="1"/>
+          </p:cNvPicPr>
+          <p:nvPr/>
+        </p:nvPicPr>
+        <p:blipFill>
+          <a:blip r:embed="rId2"/>
+          <a:stretch>
+            <a:fillRect/>
+          </a:stretch>
+        </p:blipFill>
+        <p:spPr>
+          <a:xfrm>
+            <a:off x="404398" y="357000"/>
+            <a:ext cx="5934903" cy="2676899"/>
+          </a:xfrm>
+          <a:prstGeom prst="rect">
+            <a:avLst/>
+          </a:prstGeom>
+        </p:spPr>
+      </p:pic>
+      <p:pic>
+        <p:nvPicPr>
+          <p:cNvPr id="5" name="그림 4">
+            <a:extLst>
+              <a:ext uri="{FF2B5EF4-FFF2-40B4-BE49-F238E27FC236}">
+                <a16:creationId xmlns:a16="http://schemas.microsoft.com/office/drawing/2014/main" id="{37165E8D-0773-A5FF-0E29-CAB2E1E3763A}"/>
+              </a:ext>
+            </a:extLst>
+          </p:cNvPr>
+          <p:cNvPicPr>
+            <a:picLocks noChangeAspect="1"/>
+          </p:cNvPicPr>
+          <p:nvPr/>
+        </p:nvPicPr>
+        <p:blipFill>
+          <a:blip r:embed="rId3"/>
+          <a:stretch>
+            <a:fillRect/>
+          </a:stretch>
+        </p:blipFill>
+        <p:spPr>
+          <a:xfrm>
+            <a:off x="404397" y="3290682"/>
+            <a:ext cx="5934903" cy="2943636"/>
+          </a:xfrm>
+          <a:prstGeom prst="rect">
+            <a:avLst/>
+          </a:prstGeom>
+        </p:spPr>
+      </p:pic>
+      <mc:AlternateContent xmlns:mc="http://schemas.openxmlformats.org/markup-compatibility/2006">
+        <mc:Choice xmlns:a14="http://schemas.microsoft.com/office/drawing/2010/main" Requires="a14">
+          <p:sp>
+            <p:nvSpPr>
+              <p:cNvPr id="6" name="TextBox 5">
+                <a:extLst>
+                  <a:ext uri="{FF2B5EF4-FFF2-40B4-BE49-F238E27FC236}">
+                    <a16:creationId xmlns:a16="http://schemas.microsoft.com/office/drawing/2014/main" id="{9C48AF05-7515-9C52-B67A-BF6EC5E9E2A2}"/>
+                  </a:ext>
+                </a:extLst>
+              </p:cNvPr>
+              <p:cNvSpPr txBox="1"/>
+              <p:nvPr/>
+            </p:nvSpPr>
+            <p:spPr>
+              <a:xfrm>
+                <a:off x="7128933" y="1540933"/>
+                <a:ext cx="4550134" cy="646331"/>
+              </a:xfrm>
+              <a:prstGeom prst="rect">
+                <a:avLst/>
+              </a:prstGeom>
+              <a:noFill/>
+            </p:spPr>
+            <p:txBody>
+              <a:bodyPr wrap="square" rtlCol="0">
+                <a:spAutoFit/>
+              </a:bodyPr>
+              <a:lstStyle/>
+              <a:p>
+                <a:pPr algn="l">
+                  <a:lnSpc>
+                    <a:spcPct val="100000"/>
+                  </a:lnSpc>
+                </a:pPr>
+                <a14:m>
+                  <m:oMath xmlns:m="http://schemas.openxmlformats.org/officeDocument/2006/math">
+                    <m:r>
+                      <m:rPr>
+                        <m:nor/>
+                      </m:rPr>
+                      <a:rPr lang="el-GR" altLang="ko-KR" sz="1800" smtClean="0">
+                        <a:latin typeface="나눔고딕" panose="020D0604000000000000" pitchFamily="50" charset="-127"/>
+                        <a:ea typeface="나눔고딕" panose="020D0604000000000000" pitchFamily="50" charset="-127"/>
+                      </a:rPr>
+                      <m:t>λ</m:t>
+                    </m:r>
+                    <m:r>
+                      <a:rPr lang="ko-KR" altLang="en-US" sz="1800" i="1">
+                        <a:latin typeface="Cambria Math" panose="02040503050406030204" pitchFamily="18" charset="0"/>
+                        <a:ea typeface="나눔고딕" panose="020D0604000000000000" pitchFamily="50" charset="-127"/>
+                      </a:rPr>
+                      <m:t>값</m:t>
+                    </m:r>
+                  </m:oMath>
+                </a14:m>
+                <a:r>
+                  <a:rPr lang="ko-KR" altLang="en-US" sz="1800">
+                    <a:solidFill>
+                      <a:schemeClr val="tx1"/>
+                    </a:solidFill>
+                    <a:latin typeface="나눔고딕" panose="020D0604000000000000" pitchFamily="50" charset="-127"/>
+                    <a:ea typeface="나눔고딕" panose="020D0604000000000000" pitchFamily="50" charset="-127"/>
+                  </a:rPr>
+                  <a:t>을 크게 만들면 가중치 행렬 </a:t>
+                </a:r>
+                <a:r>
+                  <a:rPr lang="en-US" altLang="ko-KR" sz="1800">
+                    <a:solidFill>
+                      <a:schemeClr val="tx1"/>
+                    </a:solidFill>
+                    <a:latin typeface="나눔고딕" panose="020D0604000000000000" pitchFamily="50" charset="-127"/>
+                    <a:ea typeface="나눔고딕" panose="020D0604000000000000" pitchFamily="50" charset="-127"/>
+                  </a:rPr>
+                  <a:t>w</a:t>
+                </a:r>
+                <a:r>
+                  <a:rPr lang="ko-KR" altLang="en-US" sz="1800">
+                    <a:solidFill>
+                      <a:schemeClr val="tx1"/>
+                    </a:solidFill>
+                    <a:latin typeface="나눔고딕" panose="020D0604000000000000" pitchFamily="50" charset="-127"/>
+                    <a:ea typeface="나눔고딕" panose="020D0604000000000000" pitchFamily="50" charset="-127"/>
+                  </a:rPr>
+                  <a:t>를 </a:t>
+                </a:r>
+                <a:r>
+                  <a:rPr lang="en-US" altLang="ko-KR" sz="1800">
+                    <a:latin typeface="나눔고딕" panose="020D0604000000000000" pitchFamily="50" charset="-127"/>
+                    <a:ea typeface="나눔고딕" panose="020D0604000000000000" pitchFamily="50" charset="-127"/>
+                  </a:rPr>
+                  <a:t>0</a:t>
+                </a:r>
+                <a:r>
+                  <a:rPr lang="ko-KR" altLang="en-US" sz="1800">
+                    <a:latin typeface="나눔고딕" panose="020D0604000000000000" pitchFamily="50" charset="-127"/>
+                    <a:ea typeface="나눔고딕" panose="020D0604000000000000" pitchFamily="50" charset="-127"/>
+                  </a:rPr>
+                  <a:t>에 상당히 가깝게 설정할 수 있음</a:t>
+                </a:r>
+                <a:endParaRPr lang="en-US" altLang="ko-KR" sz="1800">
+                  <a:latin typeface="나눔고딕" panose="020D0604000000000000" pitchFamily="50" charset="-127"/>
+                  <a:ea typeface="나눔고딕" panose="020D0604000000000000" pitchFamily="50" charset="-127"/>
+                </a:endParaRPr>
+              </a:p>
+            </p:txBody>
+          </p:sp>
+        </mc:Choice>
+        <mc:Fallback>
+          <p:sp>
+            <p:nvSpPr>
+              <p:cNvPr id="6" name="TextBox 5">
+                <a:extLst>
+                  <a:ext uri="{FF2B5EF4-FFF2-40B4-BE49-F238E27FC236}">
+                    <a16:creationId xmlns:a16="http://schemas.microsoft.com/office/drawing/2014/main" id="{9C48AF05-7515-9C52-B67A-BF6EC5E9E2A2}"/>
+                  </a:ext>
+                </a:extLst>
+              </p:cNvPr>
+              <p:cNvSpPr txBox="1">
+                <a:spLocks noRot="1" noChangeAspect="1" noMove="1" noResize="1" noEditPoints="1" noAdjustHandles="1" noChangeArrowheads="1" noChangeShapeType="1" noTextEdit="1"/>
+              </p:cNvSpPr>
+              <p:nvPr/>
+            </p:nvSpPr>
+            <p:spPr>
+              <a:xfrm>
+                <a:off x="7128933" y="1540933"/>
+                <a:ext cx="4550134" cy="646331"/>
+              </a:xfrm>
+              <a:prstGeom prst="rect">
+                <a:avLst/>
+              </a:prstGeom>
+              <a:blipFill>
+                <a:blip r:embed="rId4"/>
+                <a:stretch>
+                  <a:fillRect l="-1071" t="-5660" b="-14151"/>
+                </a:stretch>
+              </a:blipFill>
+            </p:spPr>
+            <p:txBody>
+              <a:bodyPr/>
+              <a:lstStyle/>
+              <a:p>
+                <a:r>
+                  <a:rPr lang="ko-KR" altLang="en-US">
+                    <a:noFill/>
+                  </a:rPr>
+                  <a:t> </a:t>
+                </a:r>
+              </a:p>
+            </p:txBody>
+          </p:sp>
+        </mc:Fallback>
+      </mc:AlternateContent>
+      <mc:AlternateContent xmlns:mc="http://schemas.openxmlformats.org/markup-compatibility/2006">
+        <mc:Choice xmlns:a14="http://schemas.microsoft.com/office/drawing/2010/main" Requires="a14">
+          <p:sp>
+            <p:nvSpPr>
+              <p:cNvPr id="7" name="TextBox 6">
+                <a:extLst>
+                  <a:ext uri="{FF2B5EF4-FFF2-40B4-BE49-F238E27FC236}">
+                    <a16:creationId xmlns:a16="http://schemas.microsoft.com/office/drawing/2014/main" id="{325BA2E2-7251-6D08-C806-5F4516D6734B}"/>
+                  </a:ext>
+                </a:extLst>
+              </p:cNvPr>
+              <p:cNvSpPr txBox="1"/>
+              <p:nvPr/>
+            </p:nvSpPr>
+            <p:spPr>
+              <a:xfrm>
+                <a:off x="7128933" y="4473200"/>
+                <a:ext cx="4550134" cy="1200329"/>
+              </a:xfrm>
+              <a:prstGeom prst="rect">
+                <a:avLst/>
+              </a:prstGeom>
+              <a:noFill/>
+            </p:spPr>
+            <p:txBody>
+              <a:bodyPr wrap="square" rtlCol="0">
+                <a:spAutoFit/>
+              </a:bodyPr>
+              <a:lstStyle/>
+              <a:p>
+                <a:pPr algn="l">
+                  <a:lnSpc>
+                    <a:spcPct val="100000"/>
+                  </a:lnSpc>
+                </a:pPr>
+                <a14:m>
+                  <m:oMath xmlns:m="http://schemas.openxmlformats.org/officeDocument/2006/math">
+                    <m:r>
+                      <a:rPr lang="ko-KR" altLang="en-US" sz="1800" i="1" smtClean="0">
+                        <a:latin typeface="나눔고딕" panose="020D0604000000000000" pitchFamily="50" charset="-127"/>
+                        <a:ea typeface="나눔고딕" panose="020D0604000000000000" pitchFamily="50" charset="-127"/>
+                      </a:rPr>
+                      <m:t>테</m:t>
+                    </m:r>
+                  </m:oMath>
+                </a14:m>
+                <a:r>
+                  <a:rPr lang="ko-KR" altLang="en-US" sz="1800">
+                    <a:latin typeface="나눔고딕" panose="020D0604000000000000" pitchFamily="50" charset="-127"/>
+                    <a:ea typeface="나눔고딕" panose="020D0604000000000000" pitchFamily="50" charset="-127"/>
+                  </a:rPr>
+                  <a:t>스트할 때는 드롭아웃 적용 </a:t>
+                </a:r>
+                <a:r>
+                  <a:rPr lang="en-US" altLang="ko-KR" sz="1800">
+                    <a:latin typeface="나눔고딕" panose="020D0604000000000000" pitchFamily="50" charset="-127"/>
+                    <a:ea typeface="나눔고딕" panose="020D0604000000000000" pitchFamily="50" charset="-127"/>
+                  </a:rPr>
+                  <a:t>x</a:t>
+                </a:r>
+              </a:p>
+              <a:p>
+                <a:pPr marL="285750" indent="-285750">
+                  <a:buFont typeface="Arial" panose="020B0604020202020204" pitchFamily="34" charset="0"/>
+                  <a:buChar char="•"/>
+                </a:pPr>
+                <a:r>
+                  <a:rPr lang="ko-KR" altLang="en-US" sz="1800">
+                    <a:solidFill>
+                      <a:schemeClr val="tx1"/>
+                    </a:solidFill>
+                    <a:latin typeface="나눔고딕" panose="020D0604000000000000" pitchFamily="50" charset="-127"/>
+                    <a:ea typeface="나눔고딕" panose="020D0604000000000000" pitchFamily="50" charset="-127"/>
+                  </a:rPr>
+                  <a:t>예측을 </a:t>
+                </a:r>
+                <a:r>
+                  <a:rPr lang="ko-KR" altLang="en-US">
+                    <a:latin typeface="나눔고딕" panose="020D0604000000000000" pitchFamily="50" charset="-127"/>
+                    <a:ea typeface="나눔고딕" panose="020D0604000000000000" pitchFamily="50" charset="-127"/>
+                  </a:rPr>
+                  <a:t>할 때는</a:t>
+                </a:r>
+                <a:r>
+                  <a:rPr lang="ko-KR" altLang="en-US" sz="1800">
+                    <a:solidFill>
+                      <a:schemeClr val="tx1"/>
+                    </a:solidFill>
+                    <a:latin typeface="나눔고딕" panose="020D0604000000000000" pitchFamily="50" charset="-127"/>
+                    <a:ea typeface="나눔고딕" panose="020D0604000000000000" pitchFamily="50" charset="-127"/>
+                  </a:rPr>
+                  <a:t> 결과가 무작위로 나오는 것을 원하지 않으므로</a:t>
+                </a:r>
+                <a:r>
+                  <a:rPr lang="en-US" altLang="ko-KR" sz="1800">
+                    <a:solidFill>
+                      <a:schemeClr val="tx1"/>
+                    </a:solidFill>
+                    <a:latin typeface="나눔고딕" panose="020D0604000000000000" pitchFamily="50" charset="-127"/>
+                    <a:ea typeface="나눔고딕" panose="020D0604000000000000" pitchFamily="50" charset="-127"/>
+                  </a:rPr>
+                  <a:t> </a:t>
+                </a:r>
+                <a:r>
+                  <a:rPr lang="ko-KR" altLang="en-US" sz="1800">
+                    <a:solidFill>
+                      <a:schemeClr val="tx1"/>
+                    </a:solidFill>
+                    <a:latin typeface="나눔고딕" panose="020D0604000000000000" pitchFamily="50" charset="-127"/>
+                    <a:ea typeface="나눔고딕" panose="020D0604000000000000" pitchFamily="50" charset="-127"/>
+                  </a:rPr>
+                  <a:t>은닉 유닛을 삭제할지 무작위로 정하지 않음</a:t>
+                </a:r>
+                <a:endParaRPr lang="en-US" altLang="ko-KR" sz="1800">
+                  <a:solidFill>
+                    <a:schemeClr val="tx1"/>
+                  </a:solidFill>
+                  <a:latin typeface="나눔고딕" panose="020D0604000000000000" pitchFamily="50" charset="-127"/>
+                  <a:ea typeface="나눔고딕" panose="020D0604000000000000" pitchFamily="50" charset="-127"/>
+                </a:endParaRPr>
+              </a:p>
+            </p:txBody>
+          </p:sp>
+        </mc:Choice>
+        <mc:Fallback>
+          <p:sp>
+            <p:nvSpPr>
+              <p:cNvPr id="7" name="TextBox 6">
+                <a:extLst>
+                  <a:ext uri="{FF2B5EF4-FFF2-40B4-BE49-F238E27FC236}">
+                    <a16:creationId xmlns:a16="http://schemas.microsoft.com/office/drawing/2014/main" id="{325BA2E2-7251-6D08-C806-5F4516D6734B}"/>
+                  </a:ext>
+                </a:extLst>
+              </p:cNvPr>
+              <p:cNvSpPr txBox="1">
+                <a:spLocks noRot="1" noChangeAspect="1" noMove="1" noResize="1" noEditPoints="1" noAdjustHandles="1" noChangeArrowheads="1" noChangeShapeType="1" noTextEdit="1"/>
+              </p:cNvSpPr>
+              <p:nvPr/>
+            </p:nvSpPr>
+            <p:spPr>
+              <a:xfrm>
+                <a:off x="7128933" y="4473200"/>
+                <a:ext cx="4550134" cy="1200329"/>
+              </a:xfrm>
+              <a:prstGeom prst="rect">
+                <a:avLst/>
+              </a:prstGeom>
+              <a:blipFill>
+                <a:blip r:embed="rId5"/>
+                <a:stretch>
+                  <a:fillRect l="-803" t="-3046" b="-7107"/>
+                </a:stretch>
+              </a:blipFill>
+            </p:spPr>
+            <p:txBody>
+              <a:bodyPr/>
+              <a:lstStyle/>
+              <a:p>
+                <a:r>
+                  <a:rPr lang="ko-KR" altLang="en-US">
+                    <a:noFill/>
+                  </a:rPr>
+                  <a:t> </a:t>
+                </a:r>
+              </a:p>
+            </p:txBody>
+          </p:sp>
+        </mc:Fallback>
+      </mc:AlternateContent>
+    </p:spTree>
+    <p:extLst>
+      <p:ext uri="{BB962C8B-B14F-4D97-AF65-F5344CB8AC3E}">
+        <p14:creationId xmlns:p14="http://schemas.microsoft.com/office/powerpoint/2010/main" val="570792369"/>
+      </p:ext>
+    </p:extLst>
+  </p:cSld>
+  <p:clrMapOvr>
+    <a:masterClrMapping/>
+  </p:clrMapOvr>
+</p:sld>
+</file>
+
+<file path=ppt/slides/slide27.xml><?xml version="1.0" encoding="utf-8"?>
+<p:sld xmlns:a="http://schemas.openxmlformats.org/drawingml/2006/main" xmlns:r="http://schemas.openxmlformats.org/officeDocument/2006/relationships" xmlns:p="http://schemas.openxmlformats.org/presentationml/2006/main">
+  <p:cSld>
+    <p:spTree>
+      <p:nvGrpSpPr>
+        <p:cNvPr id="1" name=""/>
+        <p:cNvGrpSpPr/>
+        <p:nvPr/>
+      </p:nvGrpSpPr>
+      <p:grpSpPr>
+        <a:xfrm>
+          <a:off x="0" y="0"/>
+          <a:ext cx="0" cy="0"/>
+          <a:chOff x="0" y="0"/>
+          <a:chExt cx="0" cy="0"/>
+        </a:xfrm>
+      </p:grpSpPr>
+      <p:pic>
+        <p:nvPicPr>
+          <p:cNvPr id="3" name="그림 2">
+            <a:extLst>
+              <a:ext uri="{FF2B5EF4-FFF2-40B4-BE49-F238E27FC236}">
+                <a16:creationId xmlns:a16="http://schemas.microsoft.com/office/drawing/2014/main" id="{A9BB7FB6-DBAC-9930-E0F1-15AF175109B4}"/>
+              </a:ext>
+            </a:extLst>
+          </p:cNvPr>
+          <p:cNvPicPr>
+            <a:picLocks noChangeAspect="1"/>
+          </p:cNvPicPr>
+          <p:nvPr/>
+        </p:nvPicPr>
+        <p:blipFill>
+          <a:blip r:embed="rId2"/>
+          <a:stretch>
+            <a:fillRect/>
+          </a:stretch>
+        </p:blipFill>
+        <p:spPr>
+          <a:xfrm>
+            <a:off x="218249" y="328429"/>
+            <a:ext cx="6571444" cy="2910060"/>
+          </a:xfrm>
+          <a:prstGeom prst="rect">
+            <a:avLst/>
+          </a:prstGeom>
+        </p:spPr>
+      </p:pic>
+      <p:pic>
+        <p:nvPicPr>
+          <p:cNvPr id="5" name="그림 4">
+            <a:extLst>
+              <a:ext uri="{FF2B5EF4-FFF2-40B4-BE49-F238E27FC236}">
+                <a16:creationId xmlns:a16="http://schemas.microsoft.com/office/drawing/2014/main" id="{E6A04EB2-ABE3-0D10-438B-DED11265A019}"/>
+              </a:ext>
+            </a:extLst>
+          </p:cNvPr>
+          <p:cNvPicPr>
+            <a:picLocks noChangeAspect="1"/>
+          </p:cNvPicPr>
+          <p:nvPr/>
+        </p:nvPicPr>
+        <p:blipFill>
+          <a:blip r:embed="rId3"/>
+          <a:stretch>
+            <a:fillRect/>
+          </a:stretch>
+        </p:blipFill>
+        <p:spPr>
+          <a:xfrm>
+            <a:off x="218250" y="3486150"/>
+            <a:ext cx="6571444" cy="2736341"/>
+          </a:xfrm>
+          <a:prstGeom prst="rect">
+            <a:avLst/>
+          </a:prstGeom>
+        </p:spPr>
+      </p:pic>
+      <p:sp>
+        <p:nvSpPr>
+          <p:cNvPr id="6" name="TextBox 5">
+            <a:extLst>
+              <a:ext uri="{FF2B5EF4-FFF2-40B4-BE49-F238E27FC236}">
+                <a16:creationId xmlns:a16="http://schemas.microsoft.com/office/drawing/2014/main" id="{1C2393D0-A67F-4289-B249-0D973C1971FF}"/>
+              </a:ext>
+            </a:extLst>
+          </p:cNvPr>
+          <p:cNvSpPr txBox="1"/>
+          <p:nvPr/>
+        </p:nvSpPr>
+        <p:spPr>
+          <a:xfrm>
+            <a:off x="7196667" y="1137333"/>
+            <a:ext cx="4550134" cy="1754326"/>
+          </a:xfrm>
+          <a:prstGeom prst="rect">
+            <a:avLst/>
+          </a:prstGeom>
+          <a:noFill/>
+        </p:spPr>
+        <p:txBody>
+          <a:bodyPr wrap="square" rtlCol="0">
+            <a:spAutoFit/>
+          </a:bodyPr>
+          <a:lstStyle/>
+          <a:p>
+            <a:pPr algn="l">
+              <a:lnSpc>
+                <a:spcPct val="100000"/>
+              </a:lnSpc>
+            </a:pPr>
+            <a:r>
+              <a:rPr lang="en-US" altLang="ko-KR" sz="1800">
+                <a:solidFill>
+                  <a:schemeClr val="tx1"/>
+                </a:solidFill>
+                <a:latin typeface="나눔고딕" panose="020D0604000000000000" pitchFamily="50" charset="-127"/>
+                <a:ea typeface="나눔고딕" panose="020D0604000000000000" pitchFamily="50" charset="-127"/>
+              </a:rPr>
+              <a:t>keep_prob: </a:t>
+            </a:r>
+            <a:r>
+              <a:rPr lang="ko-KR" altLang="en-US" sz="1800">
+                <a:latin typeface="나눔고딕" panose="020D0604000000000000" pitchFamily="50" charset="-127"/>
+                <a:ea typeface="나눔고딕" panose="020D0604000000000000" pitchFamily="50" charset="-127"/>
+              </a:rPr>
+              <a:t>은닉 유닛이 유지될 확률</a:t>
+            </a:r>
+            <a:endParaRPr lang="en-US" altLang="ko-KR" sz="1800">
+              <a:latin typeface="나눔고딕" panose="020D0604000000000000" pitchFamily="50" charset="-127"/>
+              <a:ea typeface="나눔고딕" panose="020D0604000000000000" pitchFamily="50" charset="-127"/>
+            </a:endParaRPr>
+          </a:p>
+          <a:p>
+            <a:pPr algn="l">
+              <a:lnSpc>
+                <a:spcPct val="100000"/>
+              </a:lnSpc>
+            </a:pPr>
+            <a:r>
+              <a:rPr lang="en-US" altLang="ko-KR" sz="1800">
+                <a:latin typeface="나눔고딕" panose="020D0604000000000000" pitchFamily="50" charset="-127"/>
+                <a:ea typeface="나눔고딕" panose="020D0604000000000000" pitchFamily="50" charset="-127"/>
+              </a:rPr>
+              <a:t>keep_prob</a:t>
+            </a:r>
+            <a:r>
+              <a:rPr lang="ko-KR" altLang="en-US" sz="1800">
+                <a:latin typeface="나눔고딕" panose="020D0604000000000000" pitchFamily="50" charset="-127"/>
+                <a:ea typeface="나눔고딕" panose="020D0604000000000000" pitchFamily="50" charset="-127"/>
+              </a:rPr>
+              <a:t>가 증가하면 드롭아웃 효과가 약해짐</a:t>
+            </a:r>
+            <a:r>
+              <a:rPr lang="en-US" altLang="ko-KR" sz="1800">
+                <a:solidFill>
+                  <a:schemeClr val="tx1"/>
+                </a:solidFill>
+                <a:latin typeface="나눔고딕" panose="020D0604000000000000" pitchFamily="50" charset="-127"/>
+                <a:ea typeface="나눔고딕" panose="020D0604000000000000" pitchFamily="50" charset="-127"/>
+              </a:rPr>
+              <a:t> </a:t>
+            </a:r>
+          </a:p>
+          <a:p>
+            <a:pPr algn="l">
+              <a:lnSpc>
+                <a:spcPct val="100000"/>
+              </a:lnSpc>
+            </a:pPr>
+            <a:r>
+              <a:rPr lang="en-US" altLang="ko-KR">
+                <a:latin typeface="나눔고딕" panose="020D0604000000000000" pitchFamily="50" charset="-127"/>
+                <a:ea typeface="나눔고딕" panose="020D0604000000000000" pitchFamily="50" charset="-127"/>
+              </a:rPr>
+              <a:t>1) </a:t>
+            </a:r>
+            <a:r>
+              <a:rPr lang="ko-KR" altLang="en-US" sz="1800">
+                <a:solidFill>
+                  <a:schemeClr val="tx1"/>
+                </a:solidFill>
+                <a:latin typeface="나눔고딕" panose="020D0604000000000000" pitchFamily="50" charset="-127"/>
+                <a:ea typeface="나눔고딕" panose="020D0604000000000000" pitchFamily="50" charset="-127"/>
+              </a:rPr>
+              <a:t>정규화 효과가 작아짐</a:t>
+            </a:r>
+            <a:endParaRPr lang="en-US" altLang="ko-KR" sz="1800">
+              <a:solidFill>
+                <a:schemeClr val="tx1"/>
+              </a:solidFill>
+              <a:latin typeface="나눔고딕" panose="020D0604000000000000" pitchFamily="50" charset="-127"/>
+              <a:ea typeface="나눔고딕" panose="020D0604000000000000" pitchFamily="50" charset="-127"/>
+            </a:endParaRPr>
+          </a:p>
+          <a:p>
+            <a:pPr algn="l">
+              <a:lnSpc>
+                <a:spcPct val="100000"/>
+              </a:lnSpc>
+            </a:pPr>
+            <a:r>
+              <a:rPr lang="en-US" altLang="ko-KR">
+                <a:latin typeface="나눔고딕" panose="020D0604000000000000" pitchFamily="50" charset="-127"/>
+                <a:ea typeface="나눔고딕" panose="020D0604000000000000" pitchFamily="50" charset="-127"/>
+              </a:rPr>
+              <a:t>2) </a:t>
+            </a:r>
+            <a:r>
+              <a:rPr lang="ko-KR" altLang="en-US">
+                <a:latin typeface="나눔고딕" panose="020D0604000000000000" pitchFamily="50" charset="-127"/>
+                <a:ea typeface="나눔고딕" panose="020D0604000000000000" pitchFamily="50" charset="-127"/>
+              </a:rPr>
+              <a:t>훈련 세트의 </a:t>
+            </a:r>
+            <a:r>
+              <a:rPr lang="en-US" altLang="ko-KR">
+                <a:latin typeface="나눔고딕" panose="020D0604000000000000" pitchFamily="50" charset="-127"/>
+                <a:ea typeface="나눔고딕" panose="020D0604000000000000" pitchFamily="50" charset="-127"/>
+              </a:rPr>
+              <a:t>error</a:t>
+            </a:r>
+            <a:r>
+              <a:rPr lang="ko-KR" altLang="en-US">
+                <a:latin typeface="나눔고딕" panose="020D0604000000000000" pitchFamily="50" charset="-127"/>
+                <a:ea typeface="나눔고딕" panose="020D0604000000000000" pitchFamily="50" charset="-127"/>
+              </a:rPr>
+              <a:t>가 작아져 오버피팅의 가능성이 증가</a:t>
+            </a:r>
+            <a:endParaRPr lang="en-US" altLang="ko-KR" sz="1800">
+              <a:solidFill>
+                <a:schemeClr val="tx1"/>
+              </a:solidFill>
+              <a:latin typeface="나눔고딕" panose="020D0604000000000000" pitchFamily="50" charset="-127"/>
+              <a:ea typeface="나눔고딕" panose="020D0604000000000000" pitchFamily="50" charset="-127"/>
+            </a:endParaRPr>
+          </a:p>
+        </p:txBody>
+      </p:sp>
+      <p:sp>
+        <p:nvSpPr>
+          <p:cNvPr id="7" name="TextBox 6">
+            <a:extLst>
+              <a:ext uri="{FF2B5EF4-FFF2-40B4-BE49-F238E27FC236}">
+                <a16:creationId xmlns:a16="http://schemas.microsoft.com/office/drawing/2014/main" id="{0EA715D1-ECC2-1576-BD10-371B87198719}"/>
+              </a:ext>
+            </a:extLst>
+          </p:cNvPr>
+          <p:cNvSpPr txBox="1"/>
+          <p:nvPr/>
+        </p:nvSpPr>
+        <p:spPr>
+          <a:xfrm>
+            <a:off x="7196667" y="4531154"/>
+            <a:ext cx="4550134" cy="646331"/>
+          </a:xfrm>
+          <a:prstGeom prst="rect">
+            <a:avLst/>
+          </a:prstGeom>
+          <a:noFill/>
+        </p:spPr>
+        <p:txBody>
+          <a:bodyPr wrap="square" rtlCol="0">
+            <a:spAutoFit/>
+          </a:bodyPr>
+          <a:lstStyle/>
+          <a:p>
+            <a:r>
+              <a:rPr lang="ko-KR" altLang="en-US" sz="1800">
+                <a:latin typeface="나눔고딕" panose="020D0604000000000000" pitchFamily="50" charset="-127"/>
+                <a:ea typeface="나눔고딕" panose="020D0604000000000000" pitchFamily="50" charset="-127"/>
+              </a:rPr>
+              <a:t>이미 있는 이미지를 뒤집거나</a:t>
+            </a:r>
+            <a:r>
+              <a:rPr lang="en-US" altLang="ko-KR" sz="1800">
+                <a:latin typeface="나눔고딕" panose="020D0604000000000000" pitchFamily="50" charset="-127"/>
+                <a:ea typeface="나눔고딕" panose="020D0604000000000000" pitchFamily="50" charset="-127"/>
+              </a:rPr>
+              <a:t> </a:t>
+            </a:r>
+            <a:r>
+              <a:rPr lang="ko-KR" altLang="en-US" sz="1800">
+                <a:latin typeface="나눔고딕" panose="020D0604000000000000" pitchFamily="50" charset="-127"/>
+                <a:ea typeface="나눔고딕" panose="020D0604000000000000" pitchFamily="50" charset="-127"/>
+              </a:rPr>
+              <a:t>왜곡</a:t>
+            </a:r>
+            <a:r>
+              <a:rPr lang="en-US" altLang="ko-KR" sz="1800">
+                <a:latin typeface="나눔고딕" panose="020D0604000000000000" pitchFamily="50" charset="-127"/>
+                <a:ea typeface="나눔고딕" panose="020D0604000000000000" pitchFamily="50" charset="-127"/>
+              </a:rPr>
+              <a:t>, </a:t>
+            </a:r>
+            <a:r>
+              <a:rPr lang="ko-KR" altLang="en-US" sz="1800">
+                <a:latin typeface="나눔고딕" panose="020D0604000000000000" pitchFamily="50" charset="-127"/>
+                <a:ea typeface="나눔고딕" panose="020D0604000000000000" pitchFamily="50" charset="-127"/>
+              </a:rPr>
+              <a:t>변형하여 훈련 세트에 추가시켜 훈련 세트 양을 늘림</a:t>
+            </a:r>
+            <a:endParaRPr lang="en-US" altLang="ko-KR" sz="1800">
+              <a:latin typeface="나눔고딕" panose="020D0604000000000000" pitchFamily="50" charset="-127"/>
+              <a:ea typeface="나눔고딕" panose="020D0604000000000000" pitchFamily="50" charset="-127"/>
+            </a:endParaRPr>
+          </a:p>
+        </p:txBody>
+      </p:sp>
+    </p:spTree>
+    <p:extLst>
+      <p:ext uri="{BB962C8B-B14F-4D97-AF65-F5344CB8AC3E}">
+        <p14:creationId xmlns:p14="http://schemas.microsoft.com/office/powerpoint/2010/main" val="120848171"/>
+      </p:ext>
+    </p:extLst>
+  </p:cSld>
+  <p:clrMapOvr>
+    <a:masterClrMapping/>
+  </p:clrMapOvr>
+</p:sld>
+</file>
+
+<file path=ppt/slides/slide28.xml><?xml version="1.0" encoding="utf-8"?>
+<p:sld xmlns:a="http://schemas.openxmlformats.org/drawingml/2006/main" xmlns:r="http://schemas.openxmlformats.org/officeDocument/2006/relationships" xmlns:p="http://schemas.openxmlformats.org/presentationml/2006/main">
+  <p:cSld>
+    <p:spTree>
+      <p:nvGrpSpPr>
+        <p:cNvPr id="1" name=""/>
+        <p:cNvGrpSpPr/>
+        <p:nvPr/>
+      </p:nvGrpSpPr>
+      <p:grpSpPr>
+        <a:xfrm>
+          <a:off x="0" y="0"/>
+          <a:ext cx="0" cy="0"/>
+          <a:chOff x="0" y="0"/>
+          <a:chExt cx="0" cy="0"/>
+        </a:xfrm>
+      </p:grpSpPr>
+      <p:pic>
+        <p:nvPicPr>
+          <p:cNvPr id="4" name="그림 3">
+            <a:extLst>
+              <a:ext uri="{FF2B5EF4-FFF2-40B4-BE49-F238E27FC236}">
+                <a16:creationId xmlns:a16="http://schemas.microsoft.com/office/drawing/2014/main" id="{788575A5-EBE5-C833-D5E2-2CF778671A18}"/>
+              </a:ext>
+            </a:extLst>
+          </p:cNvPr>
+          <p:cNvPicPr>
+            <a:picLocks noChangeAspect="1"/>
+          </p:cNvPicPr>
+          <p:nvPr/>
+        </p:nvPicPr>
+        <p:blipFill>
+          <a:blip r:embed="rId2"/>
+          <a:stretch>
+            <a:fillRect/>
+          </a:stretch>
+        </p:blipFill>
+        <p:spPr>
+          <a:xfrm>
+            <a:off x="404403" y="447498"/>
+            <a:ext cx="5858693" cy="2534004"/>
+          </a:xfrm>
+          <a:prstGeom prst="rect">
+            <a:avLst/>
+          </a:prstGeom>
+        </p:spPr>
+      </p:pic>
+      <p:pic>
+        <p:nvPicPr>
+          <p:cNvPr id="7" name="그림 6">
+            <a:extLst>
+              <a:ext uri="{FF2B5EF4-FFF2-40B4-BE49-F238E27FC236}">
+                <a16:creationId xmlns:a16="http://schemas.microsoft.com/office/drawing/2014/main" id="{D7128F01-3D0E-8A34-C4D0-01D0D825C433}"/>
+              </a:ext>
+            </a:extLst>
+          </p:cNvPr>
+          <p:cNvPicPr>
+            <a:picLocks noChangeAspect="1"/>
+          </p:cNvPicPr>
+          <p:nvPr/>
+        </p:nvPicPr>
+        <p:blipFill>
+          <a:blip r:embed="rId3"/>
+          <a:stretch>
+            <a:fillRect/>
+          </a:stretch>
+        </p:blipFill>
+        <p:spPr>
+          <a:xfrm>
+            <a:off x="409155" y="3048001"/>
+            <a:ext cx="5853941" cy="3363693"/>
+          </a:xfrm>
+          <a:prstGeom prst="rect">
+            <a:avLst/>
+          </a:prstGeom>
+        </p:spPr>
+      </p:pic>
+      <p:sp>
+        <p:nvSpPr>
+          <p:cNvPr id="8" name="TextBox 7">
+            <a:extLst>
+              <a:ext uri="{FF2B5EF4-FFF2-40B4-BE49-F238E27FC236}">
+                <a16:creationId xmlns:a16="http://schemas.microsoft.com/office/drawing/2014/main" id="{6911A4A2-6162-8511-6645-5599769681B0}"/>
+              </a:ext>
+            </a:extLst>
+          </p:cNvPr>
+          <p:cNvSpPr txBox="1"/>
+          <p:nvPr/>
+        </p:nvSpPr>
+        <p:spPr>
+          <a:xfrm>
+            <a:off x="7027336" y="1364626"/>
+            <a:ext cx="4550134" cy="923330"/>
+          </a:xfrm>
+          <a:prstGeom prst="rect">
+            <a:avLst/>
+          </a:prstGeom>
+          <a:noFill/>
+        </p:spPr>
+        <p:txBody>
+          <a:bodyPr wrap="square" rtlCol="0">
+            <a:spAutoFit/>
+          </a:bodyPr>
+          <a:lstStyle/>
+          <a:p>
+            <a:pPr algn="l">
+              <a:lnSpc>
+                <a:spcPct val="100000"/>
+              </a:lnSpc>
+            </a:pPr>
+            <a:r>
+              <a:rPr lang="ko-KR" altLang="en-US" sz="1800">
+                <a:latin typeface="나눔고딕" panose="020D0604000000000000" pitchFamily="50" charset="-127"/>
+                <a:ea typeface="나눔고딕" panose="020D0604000000000000" pitchFamily="50" charset="-127"/>
+              </a:rPr>
+              <a:t>신경망의 각각의 층에 노드를 삭제하는 확률을 설정하여 </a:t>
+            </a:r>
+            <a:r>
+              <a:rPr lang="ko-KR" altLang="en-US">
+                <a:latin typeface="나눔고딕" panose="020D0604000000000000" pitchFamily="50" charset="-127"/>
+                <a:ea typeface="나눔고딕" panose="020D0604000000000000" pitchFamily="50" charset="-127"/>
+              </a:rPr>
+              <a:t>랜덤으로 노드를 삭제</a:t>
+            </a:r>
+            <a:endParaRPr lang="en-US" altLang="ko-KR">
+              <a:latin typeface="나눔고딕" panose="020D0604000000000000" pitchFamily="50" charset="-127"/>
+              <a:ea typeface="나눔고딕" panose="020D0604000000000000" pitchFamily="50" charset="-127"/>
+            </a:endParaRPr>
+          </a:p>
+          <a:p>
+            <a:pPr algn="l">
+              <a:lnSpc>
+                <a:spcPct val="100000"/>
+              </a:lnSpc>
+            </a:pPr>
+            <a:r>
+              <a:rPr lang="en-US" altLang="ko-KR" sz="1800">
+                <a:latin typeface="나눔고딕" panose="020D0604000000000000" pitchFamily="50" charset="-127"/>
+                <a:ea typeface="나눔고딕" panose="020D0604000000000000" pitchFamily="50" charset="-127"/>
+              </a:rPr>
+              <a:t>-&gt;</a:t>
+            </a:r>
+            <a:r>
+              <a:rPr lang="ko-KR" altLang="en-US" sz="1800">
+                <a:latin typeface="나눔고딕" panose="020D0604000000000000" pitchFamily="50" charset="-127"/>
+                <a:ea typeface="나눔고딕" panose="020D0604000000000000" pitchFamily="50" charset="-127"/>
+              </a:rPr>
+              <a:t> 더 작고 간소화된 네트워크</a:t>
+            </a:r>
+            <a:endParaRPr lang="en-US" altLang="ko-KR" sz="1800">
+              <a:latin typeface="나눔고딕" panose="020D0604000000000000" pitchFamily="50" charset="-127"/>
+              <a:ea typeface="나눔고딕" panose="020D0604000000000000" pitchFamily="50" charset="-127"/>
+            </a:endParaRPr>
+          </a:p>
+        </p:txBody>
+      </p:sp>
+      <p:sp>
+        <p:nvSpPr>
+          <p:cNvPr id="9" name="TextBox 8">
+            <a:extLst>
+              <a:ext uri="{FF2B5EF4-FFF2-40B4-BE49-F238E27FC236}">
+                <a16:creationId xmlns:a16="http://schemas.microsoft.com/office/drawing/2014/main" id="{0210D3A0-59E0-E8DC-9B00-E1C8DAC27CE8}"/>
+              </a:ext>
+            </a:extLst>
+          </p:cNvPr>
+          <p:cNvSpPr txBox="1"/>
+          <p:nvPr/>
+        </p:nvSpPr>
+        <p:spPr>
+          <a:xfrm>
+            <a:off x="7044269" y="4302048"/>
+            <a:ext cx="4550134" cy="646331"/>
+          </a:xfrm>
+          <a:prstGeom prst="rect">
+            <a:avLst/>
+          </a:prstGeom>
+          <a:noFill/>
+        </p:spPr>
+        <p:txBody>
+          <a:bodyPr wrap="square" rtlCol="0">
+            <a:spAutoFit/>
+          </a:bodyPr>
+          <a:lstStyle/>
+          <a:p>
+            <a:r>
+              <a:rPr lang="en-US" altLang="ko-KR">
+                <a:latin typeface="나눔고딕" panose="020D0604000000000000" pitchFamily="50" charset="-127"/>
+                <a:ea typeface="나눔고딕" panose="020D0604000000000000" pitchFamily="50" charset="-127"/>
+              </a:rPr>
+              <a:t>L1 </a:t>
+            </a:r>
+            <a:r>
+              <a:rPr lang="ko-KR" altLang="en-US">
+                <a:latin typeface="나눔고딕" panose="020D0604000000000000" pitchFamily="50" charset="-127"/>
+                <a:ea typeface="나눔고딕" panose="020D0604000000000000" pitchFamily="50" charset="-127"/>
+              </a:rPr>
+              <a:t>정규화하면 </a:t>
+            </a:r>
+            <a:r>
+              <a:rPr lang="en-US" altLang="ko-KR">
+                <a:latin typeface="나눔고딕" panose="020D0604000000000000" pitchFamily="50" charset="-127"/>
+                <a:ea typeface="나눔고딕" panose="020D0604000000000000" pitchFamily="50" charset="-127"/>
+              </a:rPr>
+              <a:t>w</a:t>
+            </a:r>
+            <a:r>
+              <a:rPr lang="ko-KR" altLang="en-US">
+                <a:latin typeface="나눔고딕" panose="020D0604000000000000" pitchFamily="50" charset="-127"/>
+                <a:ea typeface="나눔고딕" panose="020D0604000000000000" pitchFamily="50" charset="-127"/>
+              </a:rPr>
+              <a:t> 벡터 안에 </a:t>
+            </a:r>
+            <a:r>
+              <a:rPr lang="en-US" altLang="ko-KR">
+                <a:latin typeface="나눔고딕" panose="020D0604000000000000" pitchFamily="50" charset="-127"/>
+                <a:ea typeface="나눔고딕" panose="020D0604000000000000" pitchFamily="50" charset="-127"/>
+              </a:rPr>
+              <a:t>0</a:t>
+            </a:r>
+            <a:r>
+              <a:rPr lang="ko-KR" altLang="en-US">
+                <a:latin typeface="나눔고딕" panose="020D0604000000000000" pitchFamily="50" charset="-127"/>
+                <a:ea typeface="나눔고딕" panose="020D0604000000000000" pitchFamily="50" charset="-127"/>
+              </a:rPr>
+              <a:t>이 많아져 </a:t>
+            </a:r>
+            <a:r>
+              <a:rPr lang="en-US" altLang="ko-KR">
+                <a:latin typeface="나눔고딕" panose="020D0604000000000000" pitchFamily="50" charset="-127"/>
+                <a:ea typeface="나눔고딕" panose="020D0604000000000000" pitchFamily="50" charset="-127"/>
+              </a:rPr>
+              <a:t>w</a:t>
+            </a:r>
+            <a:r>
+              <a:rPr lang="ko-KR" altLang="en-US">
+                <a:latin typeface="나눔고딕" panose="020D0604000000000000" pitchFamily="50" charset="-127"/>
+                <a:ea typeface="나눔고딕" panose="020D0604000000000000" pitchFamily="50" charset="-127"/>
+              </a:rPr>
+              <a:t>가 희소</a:t>
+            </a:r>
+            <a:r>
+              <a:rPr lang="en-US" altLang="ko-KR">
+                <a:latin typeface="나눔고딕" panose="020D0604000000000000" pitchFamily="50" charset="-127"/>
+                <a:ea typeface="나눔고딕" panose="020D0604000000000000" pitchFamily="50" charset="-127"/>
+              </a:rPr>
+              <a:t>(sparse)</a:t>
+            </a:r>
+            <a:r>
+              <a:rPr lang="ko-KR" altLang="en-US">
+                <a:latin typeface="나눔고딕" panose="020D0604000000000000" pitchFamily="50" charset="-127"/>
+                <a:ea typeface="나눔고딕" panose="020D0604000000000000" pitchFamily="50" charset="-127"/>
+              </a:rPr>
+              <a:t>해짐 </a:t>
+            </a:r>
+            <a:r>
+              <a:rPr lang="en-US" altLang="ko-KR">
+                <a:latin typeface="나눔고딕" panose="020D0604000000000000" pitchFamily="50" charset="-127"/>
+                <a:ea typeface="나눔고딕" panose="020D0604000000000000" pitchFamily="50" charset="-127"/>
+              </a:rPr>
+              <a:t>-&gt; </a:t>
+            </a:r>
+            <a:r>
+              <a:rPr lang="ko-KR" altLang="en-US">
+                <a:latin typeface="나눔고딕" panose="020D0604000000000000" pitchFamily="50" charset="-127"/>
+                <a:ea typeface="나눔고딕" panose="020D0604000000000000" pitchFamily="50" charset="-127"/>
+              </a:rPr>
+              <a:t>피처 선택 효과</a:t>
+            </a:r>
+            <a:endParaRPr lang="en-US" altLang="ko-KR">
+              <a:latin typeface="나눔고딕" panose="020D0604000000000000" pitchFamily="50" charset="-127"/>
+              <a:ea typeface="나눔고딕" panose="020D0604000000000000" pitchFamily="50" charset="-127"/>
+            </a:endParaRPr>
+          </a:p>
+        </p:txBody>
+      </p:sp>
+    </p:spTree>
+    <p:extLst>
+      <p:ext uri="{BB962C8B-B14F-4D97-AF65-F5344CB8AC3E}">
+        <p14:creationId xmlns:p14="http://schemas.microsoft.com/office/powerpoint/2010/main" val="8780692"/>
+      </p:ext>
+    </p:extLst>
+  </p:cSld>
+  <p:clrMapOvr>
+    <a:masterClrMapping/>
+  </p:clrMapOvr>
+</p:sld>
+</file>
+
+<file path=ppt/slides/slide29.xml><?xml version="1.0" encoding="utf-8"?>
+<p:sld xmlns:a="http://schemas.openxmlformats.org/drawingml/2006/main" xmlns:r="http://schemas.openxmlformats.org/officeDocument/2006/relationships" xmlns:p="http://schemas.openxmlformats.org/presentationml/2006/main">
+  <p:cSld>
+    <p:spTree>
+      <p:nvGrpSpPr>
+        <p:cNvPr id="1" name=""/>
+        <p:cNvGrpSpPr/>
+        <p:nvPr/>
+      </p:nvGrpSpPr>
+      <p:grpSpPr>
+        <a:xfrm>
+          <a:off x="0" y="0"/>
+          <a:ext cx="0" cy="0"/>
+          <a:chOff x="0" y="0"/>
+          <a:chExt cx="0" cy="0"/>
+        </a:xfrm>
+      </p:grpSpPr>
+      <p:pic>
+        <p:nvPicPr>
+          <p:cNvPr id="3" name="그림 2">
+            <a:extLst>
+              <a:ext uri="{FF2B5EF4-FFF2-40B4-BE49-F238E27FC236}">
+                <a16:creationId xmlns:a16="http://schemas.microsoft.com/office/drawing/2014/main" id="{21A8A8C3-A591-9050-45E8-27EEBBF33E8F}"/>
+              </a:ext>
+            </a:extLst>
+          </p:cNvPr>
+          <p:cNvPicPr>
+            <a:picLocks noChangeAspect="1"/>
+          </p:cNvPicPr>
+          <p:nvPr/>
+        </p:nvPicPr>
+        <p:blipFill>
+          <a:blip r:embed="rId2"/>
+          <a:stretch>
+            <a:fillRect/>
+          </a:stretch>
+        </p:blipFill>
+        <p:spPr>
+          <a:xfrm>
+            <a:off x="458498" y="1862225"/>
+            <a:ext cx="5849166" cy="3143689"/>
+          </a:xfrm>
+          <a:prstGeom prst="rect">
+            <a:avLst/>
+          </a:prstGeom>
+        </p:spPr>
+      </p:pic>
+      <mc:AlternateContent xmlns:mc="http://schemas.openxmlformats.org/markup-compatibility/2006">
+        <mc:Choice xmlns:a14="http://schemas.microsoft.com/office/drawing/2010/main" Requires="a14">
+          <p:sp>
+            <p:nvSpPr>
+              <p:cNvPr id="5" name="TextBox 4">
+                <a:extLst>
+                  <a:ext uri="{FF2B5EF4-FFF2-40B4-BE49-F238E27FC236}">
+                    <a16:creationId xmlns:a16="http://schemas.microsoft.com/office/drawing/2014/main" id="{EACB20EE-F5D9-C191-B1F6-33EDAD51210B}"/>
+                  </a:ext>
+                </a:extLst>
+              </p:cNvPr>
+              <p:cNvSpPr txBox="1"/>
+              <p:nvPr/>
+            </p:nvSpPr>
+            <p:spPr>
+              <a:xfrm>
+                <a:off x="7027336" y="2456314"/>
+                <a:ext cx="4550134" cy="2031325"/>
+              </a:xfrm>
+              <a:prstGeom prst="rect">
+                <a:avLst/>
+              </a:prstGeom>
+              <a:noFill/>
+            </p:spPr>
+            <p:txBody>
+              <a:bodyPr wrap="square" rtlCol="0">
+                <a:spAutoFit/>
+              </a:bodyPr>
+              <a:lstStyle/>
+              <a:p>
+                <a:r>
+                  <a:rPr lang="ko-KR" altLang="en-US">
+                    <a:latin typeface="나눔고딕" panose="020D0604000000000000" pitchFamily="50" charset="-127"/>
+                    <a:ea typeface="나눔고딕" panose="020D0604000000000000" pitchFamily="50" charset="-127"/>
+                  </a:rPr>
+                  <a:t>람다 </a:t>
+                </a:r>
+                <a14:m>
+                  <m:oMath xmlns:m="http://schemas.openxmlformats.org/officeDocument/2006/math">
+                    <m:r>
+                      <a:rPr lang="ko-KR" altLang="en-US" sz="1800" i="1">
+                        <a:latin typeface="Cambria Math" panose="02040503050406030204" pitchFamily="18" charset="0"/>
+                        <a:ea typeface="나눔고딕" panose="020D0604000000000000" pitchFamily="50" charset="-127"/>
+                      </a:rPr>
+                      <m:t>값</m:t>
+                    </m:r>
+                  </m:oMath>
+                </a14:m>
+                <a:r>
+                  <a:rPr lang="ko-KR" altLang="en-US" sz="1800">
+                    <a:solidFill>
+                      <a:schemeClr val="tx1"/>
+                    </a:solidFill>
+                    <a:latin typeface="나눔고딕" panose="020D0604000000000000" pitchFamily="50" charset="-127"/>
+                    <a:ea typeface="나눔고딕" panose="020D0604000000000000" pitchFamily="50" charset="-127"/>
+                  </a:rPr>
+                  <a:t>을 크게 만들면 가중치 행렬 </a:t>
+                </a:r>
+                <a:r>
+                  <a:rPr lang="en-US" altLang="ko-KR" sz="1800">
+                    <a:solidFill>
+                      <a:schemeClr val="tx1"/>
+                    </a:solidFill>
+                    <a:latin typeface="나눔고딕" panose="020D0604000000000000" pitchFamily="50" charset="-127"/>
+                    <a:ea typeface="나눔고딕" panose="020D0604000000000000" pitchFamily="50" charset="-127"/>
+                  </a:rPr>
+                  <a:t>w</a:t>
+                </a:r>
+                <a:r>
+                  <a:rPr lang="ko-KR" altLang="en-US" sz="1800">
+                    <a:solidFill>
+                      <a:schemeClr val="tx1"/>
+                    </a:solidFill>
+                    <a:latin typeface="나눔고딕" panose="020D0604000000000000" pitchFamily="50" charset="-127"/>
+                    <a:ea typeface="나눔고딕" panose="020D0604000000000000" pitchFamily="50" charset="-127"/>
+                  </a:rPr>
+                  <a:t>를 </a:t>
+                </a:r>
+                <a:r>
+                  <a:rPr lang="en-US" altLang="ko-KR" sz="1800">
+                    <a:latin typeface="나눔고딕" panose="020D0604000000000000" pitchFamily="50" charset="-127"/>
+                    <a:ea typeface="나눔고딕" panose="020D0604000000000000" pitchFamily="50" charset="-127"/>
+                  </a:rPr>
+                  <a:t>0</a:t>
+                </a:r>
+                <a:r>
+                  <a:rPr lang="ko-KR" altLang="en-US" sz="1800">
+                    <a:latin typeface="나눔고딕" panose="020D0604000000000000" pitchFamily="50" charset="-127"/>
+                    <a:ea typeface="나눔고딕" panose="020D0604000000000000" pitchFamily="50" charset="-127"/>
+                  </a:rPr>
+                  <a:t>에 상당히 가깝게 설정할 수 있음 </a:t>
+                </a:r>
+                <a:endParaRPr lang="en-US" altLang="ko-KR" sz="1800">
+                  <a:latin typeface="나눔고딕" panose="020D0604000000000000" pitchFamily="50" charset="-127"/>
+                  <a:ea typeface="나눔고딕" panose="020D0604000000000000" pitchFamily="50" charset="-127"/>
+                </a:endParaRPr>
+              </a:p>
+              <a:p>
+                <a:r>
+                  <a:rPr lang="en-US" altLang="ko-KR">
+                    <a:latin typeface="나눔고딕" panose="020D0604000000000000" pitchFamily="50" charset="-127"/>
+                    <a:ea typeface="나눔고딕" panose="020D0604000000000000" pitchFamily="50" charset="-127"/>
+                  </a:rPr>
+                  <a:t>-&gt; </a:t>
+                </a:r>
+                <a:r>
+                  <a:rPr lang="ko-KR" altLang="en-US">
+                    <a:latin typeface="나눔고딕" panose="020D0604000000000000" pitchFamily="50" charset="-127"/>
+                    <a:ea typeface="나눔고딕" panose="020D0604000000000000" pitchFamily="50" charset="-127"/>
+                  </a:rPr>
+                  <a:t>네트워크 간소화</a:t>
+                </a:r>
+                <a:endParaRPr lang="en-US" altLang="ko-KR">
+                  <a:latin typeface="나눔고딕" panose="020D0604000000000000" pitchFamily="50" charset="-127"/>
+                  <a:ea typeface="나눔고딕" panose="020D0604000000000000" pitchFamily="50" charset="-127"/>
+                </a:endParaRPr>
+              </a:p>
+              <a:p>
+                <a:r>
+                  <a:rPr lang="en-US" altLang="ko-KR">
+                    <a:latin typeface="나눔고딕" panose="020D0604000000000000" pitchFamily="50" charset="-127"/>
+                    <a:ea typeface="나눔고딕" panose="020D0604000000000000" pitchFamily="50" charset="-127"/>
+                  </a:rPr>
+                  <a:t>-&gt; </a:t>
+                </a:r>
+                <a:r>
+                  <a:rPr lang="ko-KR" altLang="en-US">
+                    <a:latin typeface="나눔고딕" panose="020D0604000000000000" pitchFamily="50" charset="-127"/>
+                    <a:ea typeface="나눔고딕" panose="020D0604000000000000" pitchFamily="50" charset="-127"/>
+                  </a:rPr>
+                  <a:t>오버피팅 위험 감소</a:t>
+                </a:r>
+                <a:endParaRPr lang="en-US" altLang="ko-KR">
+                  <a:latin typeface="나눔고딕" panose="020D0604000000000000" pitchFamily="50" charset="-127"/>
+                  <a:ea typeface="나눔고딕" panose="020D0604000000000000" pitchFamily="50" charset="-127"/>
+                </a:endParaRPr>
+              </a:p>
+              <a:p>
+                <a:pPr marL="285750" indent="-285750">
+                  <a:buFont typeface="Wingdings" panose="05000000000000000000" pitchFamily="2" charset="2"/>
+                  <a:buChar char="è"/>
+                </a:pPr>
+                <a:endParaRPr lang="en-US" altLang="ko-KR" sz="1800">
+                  <a:latin typeface="나눔고딕" panose="020D0604000000000000" pitchFamily="50" charset="-127"/>
+                  <a:ea typeface="나눔고딕" panose="020D0604000000000000" pitchFamily="50" charset="-127"/>
+                </a:endParaRPr>
+              </a:p>
+              <a:p>
+                <a:r>
+                  <a:rPr lang="ko-KR" altLang="en-US">
+                    <a:latin typeface="나눔고딕" panose="020D0604000000000000" pitchFamily="50" charset="-127"/>
+                    <a:ea typeface="나눔고딕" panose="020D0604000000000000" pitchFamily="50" charset="-127"/>
+                  </a:rPr>
+                  <a:t>람다 값을 작게 만들면 정규화 강도 낮아짐</a:t>
+                </a:r>
+                <a:endParaRPr lang="en-US" altLang="ko-KR" sz="1800">
+                  <a:latin typeface="나눔고딕" panose="020D0604000000000000" pitchFamily="50" charset="-127"/>
+                  <a:ea typeface="나눔고딕" panose="020D0604000000000000" pitchFamily="50" charset="-127"/>
+                </a:endParaRPr>
+              </a:p>
+              <a:p>
+                <a:r>
+                  <a:rPr lang="ko-KR" altLang="en-US">
+                    <a:latin typeface="나눔고딕" panose="020D0604000000000000" pitchFamily="50" charset="-127"/>
+                    <a:ea typeface="나눔고딕" panose="020D0604000000000000" pitchFamily="50" charset="-127"/>
+                  </a:rPr>
+                  <a:t> </a:t>
+                </a:r>
+                <a:r>
+                  <a:rPr lang="en-US" altLang="ko-KR">
+                    <a:latin typeface="나눔고딕" panose="020D0604000000000000" pitchFamily="50" charset="-127"/>
+                    <a:ea typeface="나눔고딕" panose="020D0604000000000000" pitchFamily="50" charset="-127"/>
+                  </a:rPr>
+                  <a:t>-&gt; </a:t>
+                </a:r>
+                <a:r>
+                  <a:rPr lang="ko-KR" altLang="en-US">
+                    <a:latin typeface="나눔고딕" panose="020D0604000000000000" pitchFamily="50" charset="-127"/>
+                    <a:ea typeface="나눔고딕" panose="020D0604000000000000" pitchFamily="50" charset="-127"/>
+                  </a:rPr>
+                  <a:t>오버피팅 위험 증가</a:t>
+                </a:r>
+                <a:endParaRPr lang="en-US" altLang="ko-KR">
+                  <a:latin typeface="나눔고딕" panose="020D0604000000000000" pitchFamily="50" charset="-127"/>
+                  <a:ea typeface="나눔고딕" panose="020D0604000000000000" pitchFamily="50" charset="-127"/>
+                </a:endParaRPr>
+              </a:p>
+            </p:txBody>
+          </p:sp>
+        </mc:Choice>
+        <mc:Fallback>
+          <p:sp>
+            <p:nvSpPr>
+              <p:cNvPr id="5" name="TextBox 4">
+                <a:extLst>
+                  <a:ext uri="{FF2B5EF4-FFF2-40B4-BE49-F238E27FC236}">
+                    <a16:creationId xmlns:a16="http://schemas.microsoft.com/office/drawing/2014/main" id="{EACB20EE-F5D9-C191-B1F6-33EDAD51210B}"/>
+                  </a:ext>
+                </a:extLst>
+              </p:cNvPr>
+              <p:cNvSpPr txBox="1">
+                <a:spLocks noRot="1" noChangeAspect="1" noMove="1" noResize="1" noEditPoints="1" noAdjustHandles="1" noChangeArrowheads="1" noChangeShapeType="1" noTextEdit="1"/>
+              </p:cNvSpPr>
+              <p:nvPr/>
+            </p:nvSpPr>
+            <p:spPr>
+              <a:xfrm>
+                <a:off x="7027336" y="2456314"/>
+                <a:ext cx="4550134" cy="2031325"/>
+              </a:xfrm>
+              <a:prstGeom prst="rect">
+                <a:avLst/>
+              </a:prstGeom>
+              <a:blipFill>
+                <a:blip r:embed="rId3"/>
+                <a:stretch>
+                  <a:fillRect l="-1206" t="-1802" b="-3904"/>
+                </a:stretch>
+              </a:blipFill>
+            </p:spPr>
+            <p:txBody>
+              <a:bodyPr/>
+              <a:lstStyle/>
+              <a:p>
+                <a:r>
+                  <a:rPr lang="ko-KR" altLang="en-US">
+                    <a:noFill/>
+                  </a:rPr>
+                  <a:t> </a:t>
+                </a:r>
+              </a:p>
+            </p:txBody>
+          </p:sp>
+        </mc:Fallback>
+      </mc:AlternateContent>
+    </p:spTree>
+    <p:extLst>
+      <p:ext uri="{BB962C8B-B14F-4D97-AF65-F5344CB8AC3E}">
+        <p14:creationId xmlns:p14="http://schemas.microsoft.com/office/powerpoint/2010/main" val="3217596607"/>
       </p:ext>
     </p:extLst>
   </p:cSld>
@@ -11805,6 +13706,10 @@
                     <a:ea typeface="나눔고딕" panose="020D0604000000000000" pitchFamily="50" charset="-127"/>
                   </a:rPr>
                   <a:t>: </a:t>
+                </a:r>
+                <a:r>
+                  <a:rPr lang="ko-KR" altLang="en-US" sz="1800"/>
+                  <a:t>과대 </a:t>
                 </a:r>
                 <a:r>
                   <a:rPr lang="ko-KR" altLang="en-US" sz="1800">
@@ -12201,14 +14106,14 @@
                     <a:latin typeface="나눔고딕" panose="020D0604000000000000" pitchFamily="50" charset="-127"/>
                     <a:ea typeface="나눔고딕" panose="020D0604000000000000" pitchFamily="50" charset="-127"/>
                   </a:rPr>
-                  <a:t>L2 </a:t>
+                  <a:t>L2 norm</a:t>
                 </a:r>
                 <a:r>
                   <a:rPr lang="ko-KR" altLang="en-US" sz="1800">
                     <a:latin typeface="나눔고딕" panose="020D0604000000000000" pitchFamily="50" charset="-127"/>
                     <a:ea typeface="나눔고딕" panose="020D0604000000000000" pitchFamily="50" charset="-127"/>
                   </a:rPr>
-                  <a:t>노름을 사용</a:t>
+                  <a:t>을 사용</a:t>
                 </a:r>
                 <a:endParaRPr lang="en-US" altLang="ko-KR" sz="1800">
                   <a:latin typeface="나눔고딕" panose="020D0604000000000000" pitchFamily="50" charset="-127"/>
@@ -12584,6 +14489,239 @@
 </p:sld>
 </file>
 
+<file path=ppt/slides/slide30.xml><?xml version="1.0" encoding="utf-8"?>
+<p:sld xmlns:a="http://schemas.openxmlformats.org/drawingml/2006/main" xmlns:r="http://schemas.openxmlformats.org/officeDocument/2006/relationships" xmlns:p="http://schemas.openxmlformats.org/presentationml/2006/main">
+  <p:cSld>
+    <p:spTree>
+      <p:nvGrpSpPr>
+        <p:cNvPr id="1" name=""/>
+        <p:cNvGrpSpPr/>
+        <p:nvPr/>
+      </p:nvGrpSpPr>
+      <p:grpSpPr>
+        <a:xfrm>
+          <a:off x="0" y="0"/>
+          <a:ext cx="0" cy="0"/>
+          <a:chOff x="0" y="0"/>
+          <a:chExt cx="0" cy="0"/>
+        </a:xfrm>
+      </p:grpSpPr>
+      <p:sp>
+        <p:nvSpPr>
+          <p:cNvPr id="2" name="제목 1">
+            <a:extLst>
+              <a:ext uri="{FF2B5EF4-FFF2-40B4-BE49-F238E27FC236}">
+                <a16:creationId xmlns:a16="http://schemas.microsoft.com/office/drawing/2014/main" id="{FF190702-783D-451E-7743-5977A9F14C2B}"/>
+              </a:ext>
+            </a:extLst>
+          </p:cNvPr>
+          <p:cNvSpPr>
+            <a:spLocks noGrp="1"/>
+          </p:cNvSpPr>
+          <p:nvPr>
+            <p:ph type="ctrTitle"/>
+          </p:nvPr>
+        </p:nvSpPr>
+        <p:spPr>
+          <a:xfrm>
+            <a:off x="718520" y="2822981"/>
+            <a:ext cx="10414000" cy="833063"/>
+          </a:xfrm>
+        </p:spPr>
+        <p:txBody>
+          <a:bodyPr>
+            <a:normAutofit/>
+          </a:bodyPr>
+          <a:lstStyle/>
+          <a:p>
+            <a:r>
+              <a:rPr lang="ko-KR" altLang="en-US" sz="4000" b="1"/>
+              <a:t>감사합니다</a:t>
+            </a:r>
+          </a:p>
+        </p:txBody>
+      </p:sp>
+      <p:sp>
+        <p:nvSpPr>
+          <p:cNvPr id="4" name="직사각형 3">
+            <a:extLst>
+              <a:ext uri="{FF2B5EF4-FFF2-40B4-BE49-F238E27FC236}">
+                <a16:creationId xmlns:a16="http://schemas.microsoft.com/office/drawing/2014/main" id="{A295C86C-7996-B837-2DE4-34B887D7A6CE}"/>
+              </a:ext>
+            </a:extLst>
+          </p:cNvPr>
+          <p:cNvSpPr/>
+          <p:nvPr/>
+        </p:nvSpPr>
+        <p:spPr>
+          <a:xfrm flipV="1">
+            <a:off x="4605866" y="3739966"/>
+            <a:ext cx="2675468" cy="45719"/>
+          </a:xfrm>
+          <a:prstGeom prst="rect">
+            <a:avLst/>
+          </a:prstGeom>
+          <a:solidFill>
+            <a:schemeClr val="accent1">
+              <a:lumMod val="60000"/>
+              <a:lumOff val="40000"/>
+            </a:schemeClr>
+          </a:solidFill>
+          <a:ln>
+            <a:noFill/>
+          </a:ln>
+        </p:spPr>
+        <p:style>
+          <a:lnRef idx="2">
+            <a:schemeClr val="dk1">
+              <a:shade val="15000"/>
+            </a:schemeClr>
+          </a:lnRef>
+          <a:fillRef idx="1">
+            <a:schemeClr val="dk1"/>
+          </a:fillRef>
+          <a:effectRef idx="0">
+            <a:schemeClr val="dk1"/>
+          </a:effectRef>
+          <a:fontRef idx="minor">
+            <a:schemeClr val="lt1"/>
+          </a:fontRef>
+        </p:style>
+        <p:txBody>
+          <a:bodyPr rtlCol="0" anchor="ctr"/>
+          <a:lstStyle/>
+          <a:p>
+            <a:pPr algn="ctr"/>
+            <a:endParaRPr lang="ko-KR" altLang="en-US">
+              <a:latin typeface="나눔고딕" panose="020D0604000000000000" pitchFamily="50" charset="-127"/>
+              <a:ea typeface="나눔고딕" panose="020D0604000000000000" pitchFamily="50" charset="-127"/>
+            </a:endParaRPr>
+          </a:p>
+        </p:txBody>
+      </p:sp>
+      <p:sp>
+        <p:nvSpPr>
+          <p:cNvPr id="5" name="직사각형 4">
+            <a:extLst>
+              <a:ext uri="{FF2B5EF4-FFF2-40B4-BE49-F238E27FC236}">
+                <a16:creationId xmlns:a16="http://schemas.microsoft.com/office/drawing/2014/main" id="{F8E6F02A-F6DD-CF38-1F94-3F3042052D8A}"/>
+              </a:ext>
+            </a:extLst>
+          </p:cNvPr>
+          <p:cNvSpPr/>
+          <p:nvPr/>
+        </p:nvSpPr>
+        <p:spPr>
+          <a:xfrm>
+            <a:off x="0" y="1"/>
+            <a:ext cx="12192000" cy="526942"/>
+          </a:xfrm>
+          <a:prstGeom prst="rect">
+            <a:avLst/>
+          </a:prstGeom>
+          <a:solidFill>
+            <a:schemeClr val="accent1">
+              <a:lumMod val="60000"/>
+              <a:lumOff val="40000"/>
+            </a:schemeClr>
+          </a:solidFill>
+          <a:ln>
+            <a:noFill/>
+          </a:ln>
+        </p:spPr>
+        <p:style>
+          <a:lnRef idx="2">
+            <a:schemeClr val="accent1">
+              <a:shade val="15000"/>
+            </a:schemeClr>
+          </a:lnRef>
+          <a:fillRef idx="1">
+            <a:schemeClr val="accent1"/>
+          </a:fillRef>
+          <a:effectRef idx="0">
+            <a:schemeClr val="accent1"/>
+          </a:effectRef>
+          <a:fontRef idx="minor">
+            <a:schemeClr val="lt1"/>
+          </a:fontRef>
+        </p:style>
+        <p:txBody>
+          <a:bodyPr rtlCol="0" anchor="ctr"/>
+          <a:lstStyle/>
+          <a:p>
+            <a:pPr algn="ctr"/>
+            <a:endParaRPr lang="ko-KR" altLang="en-US"/>
+          </a:p>
+        </p:txBody>
+      </p:sp>
+      <p:sp>
+        <p:nvSpPr>
+          <p:cNvPr id="6" name="직사각형 5">
+            <a:extLst>
+              <a:ext uri="{FF2B5EF4-FFF2-40B4-BE49-F238E27FC236}">
+                <a16:creationId xmlns:a16="http://schemas.microsoft.com/office/drawing/2014/main" id="{FC54CEB4-A630-0A36-E4A4-E5E560CE71A2}"/>
+              </a:ext>
+            </a:extLst>
+          </p:cNvPr>
+          <p:cNvSpPr/>
+          <p:nvPr/>
+        </p:nvSpPr>
+        <p:spPr>
+          <a:xfrm>
+            <a:off x="0" y="6346543"/>
+            <a:ext cx="12192000" cy="526942"/>
+          </a:xfrm>
+          <a:prstGeom prst="rect">
+            <a:avLst/>
+          </a:prstGeom>
+          <a:solidFill>
+            <a:schemeClr val="accent1">
+              <a:lumMod val="60000"/>
+              <a:lumOff val="40000"/>
+            </a:schemeClr>
+          </a:solidFill>
+          <a:ln>
+            <a:noFill/>
+          </a:ln>
+        </p:spPr>
+        <p:style>
+          <a:lnRef idx="2">
+            <a:schemeClr val="accent1">
+              <a:shade val="15000"/>
+            </a:schemeClr>
+          </a:lnRef>
+          <a:fillRef idx="1">
+            <a:schemeClr val="accent1"/>
+          </a:fillRef>
+          <a:effectRef idx="0">
+            <a:schemeClr val="accent1"/>
+          </a:effectRef>
+          <a:fontRef idx="minor">
+            <a:schemeClr val="lt1"/>
+          </a:fontRef>
+        </p:style>
+        <p:txBody>
+          <a:bodyPr rtlCol="0" anchor="ctr"/>
+          <a:lstStyle/>
+          <a:p>
+            <a:pPr algn="ctr"/>
+            <a:endParaRPr lang="ko-KR" altLang="en-US"/>
+          </a:p>
+        </p:txBody>
+      </p:sp>
+    </p:spTree>
+    <p:extLst>
+      <p:ext uri="{BB962C8B-B14F-4D97-AF65-F5344CB8AC3E}">
+        <p14:creationId xmlns:p14="http://schemas.microsoft.com/office/powerpoint/2010/main" val="907022309"/>
+      </p:ext>
+    </p:extLst>
+  </p:cSld>
+  <p:clrMapOvr>
+    <a:masterClrMapping/>
+  </p:clrMapOvr>
+</p:sld>
+</file>
+
 <file path=ppt/slides/slide4.xml><?xml version="1.0" encoding="utf-8"?>
 <p:sld xmlns:a="http://schemas.openxmlformats.org/drawingml/2006/main" xmlns:r="http://schemas.openxmlformats.org/officeDocument/2006/relationships" xmlns:p="http://schemas.openxmlformats.org/presentationml/2006/main">
   <p:cSld>
@@ -12704,27 +14842,7 @@
                 <a:latin typeface="나눔고딕" panose="020D0604000000000000" pitchFamily="50" charset="-127"/>
                 <a:ea typeface="나눔고딕" panose="020D0604000000000000" pitchFamily="50" charset="-127"/>
               </a:rPr>
-              <a:t>정규화 </a:t>
-            </a:r>
-            <a:r>
-              <a:rPr lang="en-US" altLang="ko-KR" sz="1800">
-                <a:solidFill>
-                  <a:schemeClr val="tx1"/>
-                </a:solidFill>
-                <a:latin typeface="나눔고딕" panose="020D0604000000000000" pitchFamily="50" charset="-127"/>
-                <a:ea typeface="나눔고딕" panose="020D0604000000000000" pitchFamily="50" charset="-127"/>
-              </a:rPr>
-              <a:t>-&gt; </a:t>
-            </a:r>
-            <a:r>
-              <a:rPr lang="ko-KR" altLang="en-US" sz="1800">
-                <a:solidFill>
-                  <a:schemeClr val="tx1"/>
-                </a:solidFill>
-                <a:latin typeface="나눔고딕" panose="020D0604000000000000" pitchFamily="50" charset="-127"/>
-                <a:ea typeface="나눔고딕" panose="020D0604000000000000" pitchFamily="50" charset="-127"/>
-              </a:rPr>
-              <a:t>가장 일반적인 정규화</a:t>
+              <a:t>정규화</a:t>
             </a:r>
             <a:endParaRPr lang="en-US" altLang="ko-KR" sz="1800">
               <a:solidFill>
@@ -12803,7 +14921,22 @@
                 <a:latin typeface="나눔고딕" panose="020D0604000000000000" pitchFamily="50" charset="-127"/>
                 <a:ea typeface="나눔고딕" panose="020D0604000000000000" pitchFamily="50" charset="-127"/>
               </a:rPr>
-              <a:t>이 많아져 </a:t>
+              <a:t>이 많아</a:t>
+            </a:r>
+            <a:r>
+              <a:rPr lang="ko-KR" altLang="en-US" sz="1800"/>
+              <a:t>짐 </a:t>
+            </a:r>
+            <a:r>
+              <a:rPr lang="en-US" altLang="ko-KR" sz="1800"/>
+              <a:t>=</a:t>
+            </a:r>
+            <a:r>
+              <a:rPr lang="ko-KR" altLang="en-US" sz="1800">
+                <a:latin typeface="나눔고딕" panose="020D0604000000000000" pitchFamily="50" charset="-127"/>
+                <a:ea typeface="나눔고딕" panose="020D0604000000000000" pitchFamily="50" charset="-127"/>
+              </a:rPr>
+              <a:t> </a:t>
             </a:r>
             <a:r>
               <a:rPr lang="en-US" altLang="ko-KR" sz="1800">
@@ -13026,11 +15159,18 @@
               <a:buChar char="•"/>
             </a:pPr>
             <a:r>
+              <a:rPr lang="en-US" altLang="ko-KR" sz="1800">
+                <a:latin typeface="나눔고딕" panose="020D0604000000000000" pitchFamily="50" charset="-127"/>
+                <a:ea typeface="나눔고딕" panose="020D0604000000000000" pitchFamily="50" charset="-127"/>
+              </a:rPr>
+              <a:t>-&gt; </a:t>
+            </a:r>
+            <a:r>
               <a:rPr lang="ko-KR" altLang="en-US" sz="1800">
                 <a:latin typeface="나눔고딕" panose="020D0604000000000000" pitchFamily="50" charset="-127"/>
                 <a:ea typeface="나눔고딕" panose="020D0604000000000000" pitchFamily="50" charset="-127"/>
               </a:rPr>
-              <a:t>하이퍼 파라미터</a:t>
+              <a:t>설정이 필요한 하이퍼 파라미터</a:t>
             </a:r>
             <a:endParaRPr lang="en-US" altLang="ko-KR" sz="1800">
               <a:latin typeface="나눔고딕" panose="020D0604000000000000" pitchFamily="50" charset="-127"/>
@@ -13337,6 +15477,114 @@
             </a:endParaRPr>
           </a:p>
           <a:p>
+            <a:pPr marL="742950" lvl="1" indent="-285750" algn="l">
+              <a:lnSpc>
+                <a:spcPct val="100000"/>
+              </a:lnSpc>
+              <a:buFont typeface="Arial" panose="020B0604020202020204" pitchFamily="34" charset="0"/>
+              <a:buChar char="•"/>
+            </a:pPr>
+            <a:r>
+              <a:rPr lang="ko-KR" altLang="en-US" sz="1800">
+                <a:solidFill>
+                  <a:schemeClr val="tx1"/>
+                </a:solidFill>
+                <a:latin typeface="나눔고딕" panose="020D0604000000000000" pitchFamily="50" charset="-127"/>
+                <a:ea typeface="나눔고딕" panose="020D0604000000000000" pitchFamily="50" charset="-127"/>
+              </a:rPr>
+              <a:t>모든 파라미터 </a:t>
+            </a:r>
+            <a:r>
+              <a:rPr lang="en-US" altLang="ko-KR" sz="1800"/>
+              <a:t>w^[1], b^[1]</a:t>
+            </a:r>
+            <a:r>
+              <a:rPr lang="ko-KR" altLang="en-US" sz="1800"/>
+              <a:t>부터 </a:t>
+            </a:r>
+            <a:r>
+              <a:rPr lang="en-US" altLang="ko-KR" sz="1800"/>
+              <a:t>w^[L], b^[L]</a:t>
+            </a:r>
+            <a:r>
+              <a:rPr lang="ko-KR" altLang="en-US" sz="1800"/>
+              <a:t>까지의 매개변수를 갖는 함수</a:t>
+            </a:r>
+            <a:endParaRPr lang="en-US" altLang="ko-KR" sz="1800"/>
+          </a:p>
+          <a:p>
+            <a:pPr marL="742950" lvl="1" indent="-285750" algn="l">
+              <a:lnSpc>
+                <a:spcPct val="100000"/>
+              </a:lnSpc>
+              <a:buFont typeface="Arial" panose="020B0604020202020204" pitchFamily="34" charset="0"/>
+              <a:buChar char="•"/>
+            </a:pPr>
+            <a:r>
+              <a:rPr lang="ko-KR" altLang="en-US" sz="1800">
+                <a:solidFill>
+                  <a:schemeClr val="tx1"/>
+                </a:solidFill>
+                <a:latin typeface="나눔고딕" panose="020D0604000000000000" pitchFamily="50" charset="-127"/>
+                <a:ea typeface="나눔고딕" panose="020D0604000000000000" pitchFamily="50" charset="-127"/>
+              </a:rPr>
+              <a:t>훈련샘플의 </a:t>
+            </a:r>
+            <a:r>
+              <a:rPr lang="en-US" altLang="ko-KR" sz="1800">
+                <a:solidFill>
+                  <a:schemeClr val="tx1"/>
+                </a:solidFill>
+                <a:latin typeface="나눔고딕" panose="020D0604000000000000" pitchFamily="50" charset="-127"/>
+                <a:ea typeface="나눔고딕" panose="020D0604000000000000" pitchFamily="50" charset="-127"/>
+              </a:rPr>
+              <a:t>m</a:t>
+            </a:r>
+            <a:r>
+              <a:rPr lang="ko-KR" altLang="en-US" sz="1800">
+                <a:solidFill>
+                  <a:schemeClr val="tx1"/>
+                </a:solidFill>
+                <a:latin typeface="나눔고딕" panose="020D0604000000000000" pitchFamily="50" charset="-127"/>
+                <a:ea typeface="나눔고딕" panose="020D0604000000000000" pitchFamily="50" charset="-127"/>
+              </a:rPr>
+              <a:t>까지의 손실의 합을 </a:t>
+            </a:r>
+            <a:r>
+              <a:rPr lang="en-US" altLang="ko-KR" sz="1800">
+                <a:solidFill>
+                  <a:schemeClr val="tx1"/>
+                </a:solidFill>
+                <a:latin typeface="나눔고딕" panose="020D0604000000000000" pitchFamily="50" charset="-127"/>
+                <a:ea typeface="나눔고딕" panose="020D0604000000000000" pitchFamily="50" charset="-127"/>
+              </a:rPr>
+              <a:t>m</a:t>
+            </a:r>
+            <a:r>
+              <a:rPr lang="ko-KR" altLang="en-US" sz="1800"/>
+              <a:t>으로 나눈 값 </a:t>
+            </a:r>
+            <a:r>
+              <a:rPr lang="en-US" altLang="ko-KR" sz="1800"/>
+              <a:t>+ </a:t>
+            </a:r>
+            <a:r>
+              <a:rPr lang="ko-KR" altLang="en-US" sz="1800">
+                <a:solidFill>
+                  <a:srgbClr val="7030A0"/>
+                </a:solidFill>
+              </a:rPr>
+              <a:t>정규화항</a:t>
+            </a:r>
+            <a:endParaRPr lang="en-US" altLang="ko-KR" sz="1800">
+              <a:solidFill>
+                <a:srgbClr val="7030A0"/>
+              </a:solidFill>
+              <a:latin typeface="나눔고딕" panose="020D0604000000000000" pitchFamily="50" charset="-127"/>
+              <a:ea typeface="나눔고딕" panose="020D0604000000000000" pitchFamily="50" charset="-127"/>
+            </a:endParaRPr>
+          </a:p>
+          <a:p>
             <a:pPr marL="285750" indent="-285750" algn="l">
               <a:lnSpc>
                 <a:spcPct val="100000"/>
@@ -13408,6 +15656,17 @@
             </a:endParaRPr>
           </a:p>
           <a:p>
+            <a:pPr lvl="1" algn="l">
+              <a:lnSpc>
+                <a:spcPct val="100000"/>
+              </a:lnSpc>
+            </a:pPr>
+            <a:endParaRPr lang="en-US" altLang="ko-KR" sz="1800">
+              <a:latin typeface="나눔고딕" panose="020D0604000000000000" pitchFamily="50" charset="-127"/>
+              <a:ea typeface="나눔고딕" panose="020D0604000000000000" pitchFamily="50" charset="-127"/>
+            </a:endParaRPr>
+          </a:p>
+          <a:p>
             <a:pPr marL="742950" lvl="1" indent="-285750" algn="l">
               <a:lnSpc>
                 <a:spcPct val="100000"/>
@@ -13415,35 +15674,6 @@
               <a:buFont typeface="Arial" panose="020B0604020202020204" pitchFamily="34" charset="0"/>
               <a:buChar char="•"/>
             </a:pPr>
-            <a:endParaRPr lang="en-US" altLang="ko-KR" sz="1800">
-              <a:solidFill>
-                <a:schemeClr val="tx1"/>
-              </a:solidFill>
-              <a:latin typeface="나눔고딕" panose="020D0604000000000000" pitchFamily="50" charset="-127"/>
-              <a:ea typeface="나눔고딕" panose="020D0604000000000000" pitchFamily="50" charset="-127"/>
-            </a:endParaRPr>
-          </a:p>
-          <a:p>
-            <a:pPr marL="742950" lvl="1" indent="-285750" algn="l">
-              <a:lnSpc>
-                <a:spcPct val="100000"/>
-              </a:lnSpc>
-              <a:buFont typeface="Arial" panose="020B0604020202020204" pitchFamily="34" charset="0"/>
-              <a:buChar char="•"/>
-            </a:pPr>
-            <a:endParaRPr lang="en-US" altLang="ko-KR" sz="1800">
-              <a:latin typeface="나눔고딕" panose="020D0604000000000000" pitchFamily="50" charset="-127"/>
-              <a:ea typeface="나눔고딕" panose="020D0604000000000000" pitchFamily="50" charset="-127"/>
-            </a:endParaRPr>
-          </a:p>
-          <a:p>
-            <a:pPr marL="742950" lvl="1" indent="-285750" algn="l">
-              <a:lnSpc>
-                <a:spcPct val="100000"/>
-              </a:lnSpc>
-              <a:buFont typeface="Arial" panose="020B0604020202020204" pitchFamily="34" charset="0"/>
-              <a:buChar char="•"/>
-            </a:pPr>
             <a:r>
               <a:rPr lang="ko-KR" altLang="en-US" sz="1800">
                 <a:solidFill>
@@ -13477,6 +15707,9 @@
             </a:r>
             <a:r>
               <a:rPr lang="ko-KR" altLang="en-US" sz="1800">
+                <a:solidFill>
+                  <a:srgbClr val="FFC000"/>
+                </a:solidFill>
                 <a:latin typeface="나눔고딕" panose="020D0604000000000000" pitchFamily="50" charset="-127"/>
                 <a:ea typeface="나눔고딕" panose="020D0604000000000000" pitchFamily="50" charset="-127"/>
               </a:rPr>
@@ -13510,16 +15743,86 @@
               <a:buChar char="•"/>
             </a:pPr>
             <a:r>
-              <a:rPr lang="ko-KR" altLang="en-US" sz="1600">
+              <a:rPr lang="en-US" altLang="ko-KR">
                 <a:solidFill>
                   <a:schemeClr val="tx1"/>
                 </a:solidFill>
                 <a:latin typeface="나눔고딕" panose="020D0604000000000000" pitchFamily="50" charset="-127"/>
                 <a:ea typeface="나눔고딕" panose="020D0604000000000000" pitchFamily="50" charset="-127"/>
               </a:rPr>
-              <a:t>행렬의 원소 제곱의 합이라는 뜻</a:t>
-            </a:r>
-            <a:endParaRPr lang="en-US" altLang="ko-KR" sz="1600">
+              <a:t>i</a:t>
+            </a:r>
+            <a:r>
+              <a:rPr lang="ko-KR" altLang="en-US">
+                <a:solidFill>
+                  <a:schemeClr val="tx1"/>
+                </a:solidFill>
+                <a:latin typeface="나눔고딕" panose="020D0604000000000000" pitchFamily="50" charset="-127"/>
+                <a:ea typeface="나눔고딕" panose="020D0604000000000000" pitchFamily="50" charset="-127"/>
+              </a:rPr>
+              <a:t>와 </a:t>
+            </a:r>
+            <a:r>
+              <a:rPr lang="en-US" altLang="ko-KR">
+                <a:solidFill>
+                  <a:schemeClr val="tx1"/>
+                </a:solidFill>
+                <a:latin typeface="나눔고딕" panose="020D0604000000000000" pitchFamily="50" charset="-127"/>
+                <a:ea typeface="나눔고딕" panose="020D0604000000000000" pitchFamily="50" charset="-127"/>
+              </a:rPr>
+              <a:t>j</a:t>
+            </a:r>
+            <a:r>
+              <a:rPr lang="ko-KR" altLang="en-US">
+                <a:solidFill>
+                  <a:schemeClr val="tx1"/>
+                </a:solidFill>
+                <a:latin typeface="나눔고딕" panose="020D0604000000000000" pitchFamily="50" charset="-127"/>
+                <a:ea typeface="나눔고딕" panose="020D0604000000000000" pitchFamily="50" charset="-127"/>
+              </a:rPr>
+              <a:t>에 해당하는 행렬의 원소 제곱의 합</a:t>
+            </a:r>
+            <a:endParaRPr lang="en-US" altLang="ko-KR">
+              <a:solidFill>
+                <a:schemeClr val="tx1"/>
+              </a:solidFill>
+              <a:latin typeface="나눔고딕" panose="020D0604000000000000" pitchFamily="50" charset="-127"/>
+              <a:ea typeface="나눔고딕" panose="020D0604000000000000" pitchFamily="50" charset="-127"/>
+            </a:endParaRPr>
+          </a:p>
+          <a:p>
+            <a:pPr marL="1200150" lvl="2" indent="-285750" algn="l">
+              <a:lnSpc>
+                <a:spcPct val="100000"/>
+              </a:lnSpc>
+              <a:buFont typeface="Arial" panose="020B0604020202020204" pitchFamily="34" charset="0"/>
+              <a:buChar char="•"/>
+            </a:pPr>
+            <a:r>
+              <a:rPr lang="ko-KR" altLang="en-US"/>
+              <a:t>합의 범위</a:t>
+            </a:r>
+            <a:r>
+              <a:rPr lang="en-US" altLang="ko-KR"/>
+              <a:t>: i</a:t>
+            </a:r>
+            <a:r>
+              <a:rPr lang="ko-KR" altLang="en-US"/>
+              <a:t>는 </a:t>
+            </a:r>
+            <a:r>
+              <a:rPr lang="en-US" altLang="ko-KR"/>
+              <a:t>n^[l], j</a:t>
+            </a:r>
+            <a:r>
+              <a:rPr lang="ko-KR" altLang="en-US"/>
+              <a:t>는 </a:t>
+            </a:r>
+            <a:r>
+              <a:rPr lang="en-US" altLang="ko-KR"/>
+              <a:t>n^[l-1]</a:t>
+            </a:r>
+            <a:endParaRPr lang="en-US" altLang="ko-KR">
               <a:solidFill>
                 <a:schemeClr val="tx1"/>
               </a:solidFill>
@@ -13609,7 +15912,7 @@
         </p:blipFill>
         <p:spPr>
           <a:xfrm>
-            <a:off x="911107" y="2521288"/>
+            <a:off x="911107" y="2883238"/>
             <a:ext cx="9604493" cy="1722361"/>
           </a:xfrm>
           <a:prstGeom prst="rect">
@@ -13631,7 +15934,7 @@
         </p:nvSpPr>
         <p:spPr>
           <a:xfrm>
-            <a:off x="7521120" y="2221597"/>
+            <a:off x="7521120" y="2583547"/>
             <a:ext cx="2825147" cy="1215868"/>
           </a:xfrm>
           <a:prstGeom prst="rect">
@@ -13684,8 +15987,8 @@
         </p:nvSpPr>
         <p:spPr>
           <a:xfrm>
-            <a:off x="7885478" y="4229520"/>
-            <a:ext cx="4921578" cy="369332"/>
+            <a:off x="7885478" y="4477170"/>
+            <a:ext cx="4921578" cy="646331"/>
           </a:xfrm>
           <a:prstGeom prst="rect">
             <a:avLst/>
@@ -13733,6 +16036,82 @@
               </a:rPr>
               <a:t>의 은닉 유닛의 개수</a:t>
             </a:r>
+            <a:endParaRPr lang="en-US" altLang="ko-KR">
+              <a:latin typeface="나눔고딕" panose="020D0604000000000000" pitchFamily="50" charset="-127"/>
+              <a:ea typeface="나눔고딕" panose="020D0604000000000000" pitchFamily="50" charset="-127"/>
+            </a:endParaRPr>
+          </a:p>
+          <a:p>
+            <a:r>
+              <a:rPr lang="en-US" altLang="ko-KR">
+                <a:latin typeface="나눔고딕" panose="020D0604000000000000" pitchFamily="50" charset="-127"/>
+                <a:ea typeface="나눔고딕" panose="020D0604000000000000" pitchFamily="50" charset="-127"/>
+              </a:rPr>
+              <a:t>-&gt; w </a:t>
+            </a:r>
+            <a:r>
+              <a:rPr lang="ko-KR" altLang="en-US">
+                <a:latin typeface="나눔고딕" panose="020D0604000000000000" pitchFamily="50" charset="-127"/>
+                <a:ea typeface="나눔고딕" panose="020D0604000000000000" pitchFamily="50" charset="-127"/>
+              </a:rPr>
+              <a:t>행렬의 차원</a:t>
+            </a:r>
+          </a:p>
+        </p:txBody>
+      </p:sp>
+      <p:sp>
+        <p:nvSpPr>
+          <p:cNvPr id="8" name="직사각형 7">
+            <a:extLst>
+              <a:ext uri="{FF2B5EF4-FFF2-40B4-BE49-F238E27FC236}">
+                <a16:creationId xmlns:a16="http://schemas.microsoft.com/office/drawing/2014/main" id="{D7DA36E2-241B-DFBD-1F1B-E7C69E1388CB}"/>
+              </a:ext>
+            </a:extLst>
+          </p:cNvPr>
+          <p:cNvSpPr/>
+          <p:nvPr/>
+        </p:nvSpPr>
+        <p:spPr>
+          <a:xfrm>
+            <a:off x="1362075" y="3629024"/>
+            <a:ext cx="3790950" cy="976575"/>
+          </a:xfrm>
+          <a:prstGeom prst="rect">
+            <a:avLst/>
+          </a:prstGeom>
+          <a:noFill/>
+          <a:ln w="19050">
+            <a:solidFill>
+              <a:srgbClr val="FFC000"/>
+            </a:solidFill>
+          </a:ln>
+        </p:spPr>
+        <p:style>
+          <a:lnRef idx="2">
+            <a:schemeClr val="accent6"/>
+          </a:lnRef>
+          <a:fillRef idx="1">
+            <a:schemeClr val="lt1"/>
+          </a:fillRef>
+          <a:effectRef idx="0">
+            <a:schemeClr val="accent6"/>
+          </a:effectRef>
+          <a:fontRef idx="minor">
+            <a:schemeClr val="dk1"/>
+          </a:fontRef>
+        </p:style>
+        <p:txBody>
+          <a:bodyPr rtlCol="0" anchor="ctr"/>
+          <a:lstStyle/>
+          <a:p>
+            <a:pPr algn="ctr"/>
+            <a:endParaRPr lang="ko-KR" altLang="en-US">
+              <a:solidFill>
+                <a:srgbClr val="FF0000"/>
+              </a:solidFill>
+              <a:latin typeface="나눔고딕" panose="020D0604000000000000" pitchFamily="50" charset="-127"/>
+              <a:ea typeface="나눔고딕" panose="020D0604000000000000" pitchFamily="50" charset="-127"/>
+            </a:endParaRPr>
           </a:p>
         </p:txBody>
       </p:sp>
@@ -14111,6 +16490,13 @@
                   <a:buChar char="•"/>
                 </a:pPr>
                 <a:r>
+                  <a:rPr lang="ko-KR" altLang="en-US">
+                    <a:latin typeface="나눔고딕" panose="020D0604000000000000" pitchFamily="50" charset="-127"/>
+                    <a:ea typeface="나눔고딕" panose="020D0604000000000000" pitchFamily="50" charset="-127"/>
+                  </a:rPr>
+                  <a:t>가중치 행렬 </a:t>
+                </a:r>
+                <a:r>
                   <a:rPr lang="en-US" altLang="ko-KR">
                     <a:latin typeface="나눔고딕" panose="020D0604000000000000" pitchFamily="50" charset="-127"/>
                     <a:ea typeface="나눔고딕" panose="020D0604000000000000" pitchFamily="50" charset="-127"/>
@@ -14118,14 +16504,21 @@
                   <a:t>w^[l]</a:t>
                 </a:r>
                 <a:r>
+                  <a:rPr lang="ko-KR" altLang="en-US"/>
+                  <a:t>에</a:t>
+                </a:r>
+                <a:r>
                   <a:rPr lang="ko-KR" altLang="en-US">
                     <a:latin typeface="나눔고딕" panose="020D0604000000000000" pitchFamily="50" charset="-127"/>
                     <a:ea typeface="나눔고딕" panose="020D0604000000000000" pitchFamily="50" charset="-127"/>
                   </a:rPr>
-                  <a:t>은 </a:t>
+                  <a:t> </a:t>
                 </a:r>
                 <a:r>
                   <a:rPr lang="en-US" altLang="ko-KR">
+                    <a:solidFill>
+                      <a:srgbClr val="FF0000"/>
+                    </a:solidFill>
                     <a:latin typeface="나눔고딕" panose="020D0604000000000000" pitchFamily="50" charset="-127"/>
                     <a:ea typeface="나눔고딕" panose="020D0604000000000000" pitchFamily="50" charset="-127"/>
                   </a:rPr>
@@ -14133,10 +16526,20 @@
                 </a:r>
                 <a:r>
                   <a:rPr lang="ko-KR" altLang="en-US">
+                    <a:solidFill>
+                      <a:srgbClr val="FF0000"/>
+                    </a:solidFill>
                     <a:latin typeface="나눔고딕" panose="020D0604000000000000" pitchFamily="50" charset="-127"/>
                     <a:ea typeface="나눔고딕" panose="020D0604000000000000" pitchFamily="50" charset="-127"/>
                   </a:rPr>
-                  <a:t>보다 작은 값을 곱해주므로 어떤 값이든 값이 약간 더 작아짐</a:t>
+                  <a:t>보다 작은 값을 </a:t>
+                </a:r>
+                <a:r>
+                  <a:rPr lang="ko-KR" altLang="en-US">
+                    <a:latin typeface="나눔고딕" panose="020D0604000000000000" pitchFamily="50" charset="-127"/>
+                    <a:ea typeface="나눔고딕" panose="020D0604000000000000" pitchFamily="50" charset="-127"/>
+                  </a:rPr>
+                  <a:t>곱해주므로 어떤 값이든 값이 약간 더 작아짐</a:t>
                 </a:r>
                 <a:endParaRPr lang="en-US" altLang="ko-KR">
                   <a:solidFill>
@@ -15408,7 +17811,7 @@
                     <a:latin typeface="나눔고딕" panose="020D0604000000000000" pitchFamily="50" charset="-127"/>
                     <a:ea typeface="나눔고딕" panose="020D0604000000000000" pitchFamily="50" charset="-127"/>
                   </a:rPr>
-                  <a:t>을 크게 만들면 가중치 해렬 </a:t>
+                  <a:t>을 크게 만들면 가중치 행렬 </a:t>
                 </a:r>
                 <a:r>
                   <a:rPr lang="en-US" altLang="ko-KR" sz="1800">
